--- a/make_presentation/templates/templates/classic/_26.pptx
+++ b/make_presentation/templates/templates/classic/_26.pptx
@@ -317,7 +317,7 @@
             <a:pPr algn="r">
               <a:buNone/>
             </a:pPr>
-            <a:fld id="{C7A3CE50-417A-406D-9E15-770EC6DD3552}" type="slidenum">
+            <a:fld id="{1D5244C7-1F73-498E-A0D1-2EF52C767192}" type="slidenum">
               <a:rPr b="0" lang="en-US" sz="1400" spc="-1" strike="noStrike">
                 <a:latin typeface="Times New Roman"/>
               </a:rPr>
@@ -365,7 +365,7 @@
         <p:spPr>
           <a:xfrm>
             <a:off x="380880" y="685800"/>
-            <a:ext cx="6091920" cy="3425040"/>
+            <a:ext cx="6091560" cy="3424680"/>
           </a:xfrm>
           <a:prstGeom prst="rect">
             <a:avLst/>
@@ -388,7 +388,7 @@
         <p:spPr>
           <a:xfrm>
             <a:off x="685800" y="4343400"/>
-            <a:ext cx="5482440" cy="4110840"/>
+            <a:ext cx="5482080" cy="4110480"/>
           </a:xfrm>
           <a:prstGeom prst="rect">
             <a:avLst/>
@@ -422,7 +422,7 @@
         <p:spPr>
           <a:xfrm>
             <a:off x="3884760" y="8685360"/>
-            <a:ext cx="2967840" cy="453240"/>
+            <a:ext cx="2967480" cy="452880"/>
           </a:xfrm>
           <a:prstGeom prst="rect">
             <a:avLst/>
@@ -458,7 +458,7 @@
               </a:lnSpc>
               <a:buNone/>
             </a:pPr>
-            <a:fld id="{7626C266-E43B-4A9B-AC24-E33A744D5162}" type="slidenum">
+            <a:fld id="{DEDEC93F-340A-4082-AB89-33C13099D987}" type="slidenum">
               <a:rPr b="0" lang="en-US" sz="1200" spc="-1" strike="noStrike">
                 <a:solidFill>
                   <a:srgbClr val="000000"/>
@@ -509,7 +509,7 @@
         <p:spPr>
           <a:xfrm>
             <a:off x="380880" y="685800"/>
-            <a:ext cx="6091920" cy="3425040"/>
+            <a:ext cx="6091560" cy="3424680"/>
           </a:xfrm>
           <a:prstGeom prst="rect">
             <a:avLst/>
@@ -532,7 +532,7 @@
         <p:spPr>
           <a:xfrm>
             <a:off x="685800" y="4343400"/>
-            <a:ext cx="5482440" cy="4110840"/>
+            <a:ext cx="5482080" cy="4110480"/>
           </a:xfrm>
           <a:prstGeom prst="rect">
             <a:avLst/>
@@ -566,7 +566,7 @@
         <p:spPr>
           <a:xfrm>
             <a:off x="3884760" y="8685360"/>
-            <a:ext cx="2967840" cy="453240"/>
+            <a:ext cx="2967480" cy="452880"/>
           </a:xfrm>
           <a:prstGeom prst="rect">
             <a:avLst/>
@@ -602,7 +602,7 @@
               </a:lnSpc>
               <a:buNone/>
             </a:pPr>
-            <a:fld id="{A07D857A-FC3B-4146-80BE-A00258724370}" type="slidenum">
+            <a:fld id="{5CE2FCBC-3AEC-479E-AD1A-183FE8CED1D8}" type="slidenum">
               <a:rPr b="0" lang="en-US" sz="1200" spc="-1" strike="noStrike">
                 <a:solidFill>
                   <a:srgbClr val="000000"/>
@@ -653,7 +653,7 @@
         <p:spPr>
           <a:xfrm>
             <a:off x="380880" y="685800"/>
-            <a:ext cx="6091920" cy="3425040"/>
+            <a:ext cx="6091560" cy="3424680"/>
           </a:xfrm>
           <a:prstGeom prst="rect">
             <a:avLst/>
@@ -676,7 +676,7 @@
         <p:spPr>
           <a:xfrm>
             <a:off x="685800" y="4343400"/>
-            <a:ext cx="5482440" cy="4110840"/>
+            <a:ext cx="5482080" cy="4110480"/>
           </a:xfrm>
           <a:prstGeom prst="rect">
             <a:avLst/>
@@ -710,7 +710,7 @@
         <p:spPr>
           <a:xfrm>
             <a:off x="3884760" y="8685360"/>
-            <a:ext cx="2967840" cy="453240"/>
+            <a:ext cx="2967480" cy="452880"/>
           </a:xfrm>
           <a:prstGeom prst="rect">
             <a:avLst/>
@@ -746,7 +746,7 @@
               </a:lnSpc>
               <a:buNone/>
             </a:pPr>
-            <a:fld id="{1A003B1E-20DD-4927-98FE-69BA1C701E6C}" type="slidenum">
+            <a:fld id="{E01F0189-899A-4F5B-A1BB-923742EA65FC}" type="slidenum">
               <a:rPr b="0" lang="en-US" sz="1200" spc="-1" strike="noStrike">
                 <a:solidFill>
                   <a:srgbClr val="000000"/>
@@ -797,7 +797,7 @@
         <p:spPr>
           <a:xfrm>
             <a:off x="380880" y="685800"/>
-            <a:ext cx="6091920" cy="3425040"/>
+            <a:ext cx="6091560" cy="3424680"/>
           </a:xfrm>
           <a:prstGeom prst="rect">
             <a:avLst/>
@@ -820,7 +820,7 @@
         <p:spPr>
           <a:xfrm>
             <a:off x="685800" y="4343400"/>
-            <a:ext cx="5482440" cy="4110840"/>
+            <a:ext cx="5482080" cy="4110480"/>
           </a:xfrm>
           <a:prstGeom prst="rect">
             <a:avLst/>
@@ -854,7 +854,7 @@
         <p:spPr>
           <a:xfrm>
             <a:off x="3884760" y="8685360"/>
-            <a:ext cx="2967840" cy="453240"/>
+            <a:ext cx="2967480" cy="452880"/>
           </a:xfrm>
           <a:prstGeom prst="rect">
             <a:avLst/>
@@ -890,7 +890,7 @@
               </a:lnSpc>
               <a:buNone/>
             </a:pPr>
-            <a:fld id="{2CA69E43-3653-4150-9D6C-FEB11A49F865}" type="slidenum">
+            <a:fld id="{E91F9112-7882-44F1-ADE4-26753B8562C5}" type="slidenum">
               <a:rPr b="0" lang="en-US" sz="1200" spc="-1" strike="noStrike">
                 <a:solidFill>
                   <a:srgbClr val="000000"/>
@@ -941,7 +941,7 @@
         <p:spPr>
           <a:xfrm>
             <a:off x="380880" y="685800"/>
-            <a:ext cx="6091920" cy="3425040"/>
+            <a:ext cx="6091560" cy="3424680"/>
           </a:xfrm>
           <a:prstGeom prst="rect">
             <a:avLst/>
@@ -964,7 +964,7 @@
         <p:spPr>
           <a:xfrm>
             <a:off x="685800" y="4343400"/>
-            <a:ext cx="5482440" cy="4110840"/>
+            <a:ext cx="5482080" cy="4110480"/>
           </a:xfrm>
           <a:prstGeom prst="rect">
             <a:avLst/>
@@ -998,7 +998,7 @@
         <p:spPr>
           <a:xfrm>
             <a:off x="3884760" y="8685360"/>
-            <a:ext cx="2967840" cy="453240"/>
+            <a:ext cx="2967480" cy="452880"/>
           </a:xfrm>
           <a:prstGeom prst="rect">
             <a:avLst/>
@@ -1034,7 +1034,7 @@
               </a:lnSpc>
               <a:buNone/>
             </a:pPr>
-            <a:fld id="{D43C2F5A-5B95-459F-9EC3-FF2FA625C924}" type="slidenum">
+            <a:fld id="{27AB6C0F-79B6-4E9C-BB84-9ED9342D54DC}" type="slidenum">
               <a:rPr b="0" lang="en-US" sz="1200" spc="-1" strike="noStrike">
                 <a:solidFill>
                   <a:srgbClr val="000000"/>
@@ -1085,7 +1085,7 @@
         <p:spPr>
           <a:xfrm>
             <a:off x="380880" y="685800"/>
-            <a:ext cx="6091920" cy="3425040"/>
+            <a:ext cx="6091560" cy="3424680"/>
           </a:xfrm>
           <a:prstGeom prst="rect">
             <a:avLst/>
@@ -1108,7 +1108,7 @@
         <p:spPr>
           <a:xfrm>
             <a:off x="685800" y="4343400"/>
-            <a:ext cx="5482440" cy="4110840"/>
+            <a:ext cx="5482080" cy="4110480"/>
           </a:xfrm>
           <a:prstGeom prst="rect">
             <a:avLst/>
@@ -1142,7 +1142,7 @@
         <p:spPr>
           <a:xfrm>
             <a:off x="3884760" y="8685360"/>
-            <a:ext cx="2967840" cy="453240"/>
+            <a:ext cx="2967480" cy="452880"/>
           </a:xfrm>
           <a:prstGeom prst="rect">
             <a:avLst/>
@@ -1178,7 +1178,7 @@
               </a:lnSpc>
               <a:buNone/>
             </a:pPr>
-            <a:fld id="{E45F82A1-65F0-4DDE-96E4-F90C8B00EC86}" type="slidenum">
+            <a:fld id="{CC7A7019-85B0-408F-8C73-4CF84FD5BFAE}" type="slidenum">
               <a:rPr b="0" lang="en-US" sz="1200" spc="-1" strike="noStrike">
                 <a:solidFill>
                   <a:srgbClr val="000000"/>
@@ -1229,7 +1229,7 @@
         <p:spPr>
           <a:xfrm>
             <a:off x="380880" y="685800"/>
-            <a:ext cx="6091920" cy="3425040"/>
+            <a:ext cx="6091560" cy="3424680"/>
           </a:xfrm>
           <a:prstGeom prst="rect">
             <a:avLst/>
@@ -1252,7 +1252,7 @@
         <p:spPr>
           <a:xfrm>
             <a:off x="685800" y="4343400"/>
-            <a:ext cx="5482440" cy="4110840"/>
+            <a:ext cx="5482080" cy="4110480"/>
           </a:xfrm>
           <a:prstGeom prst="rect">
             <a:avLst/>
@@ -1286,7 +1286,7 @@
         <p:spPr>
           <a:xfrm>
             <a:off x="3884760" y="8685360"/>
-            <a:ext cx="2967840" cy="453240"/>
+            <a:ext cx="2967480" cy="452880"/>
           </a:xfrm>
           <a:prstGeom prst="rect">
             <a:avLst/>
@@ -1322,7 +1322,7 @@
               </a:lnSpc>
               <a:buNone/>
             </a:pPr>
-            <a:fld id="{3C1D7768-98C8-4F0B-B4B8-6FC1552E2879}" type="slidenum">
+            <a:fld id="{0187B83D-31D4-4EE3-9C0D-00C598A9A32A}" type="slidenum">
               <a:rPr b="0" lang="en-US" sz="1200" spc="-1" strike="noStrike">
                 <a:solidFill>
                   <a:srgbClr val="000000"/>
@@ -1373,7 +1373,7 @@
         <p:spPr>
           <a:xfrm>
             <a:off x="380880" y="685800"/>
-            <a:ext cx="6091920" cy="3425040"/>
+            <a:ext cx="6091560" cy="3424680"/>
           </a:xfrm>
           <a:prstGeom prst="rect">
             <a:avLst/>
@@ -1396,7 +1396,7 @@
         <p:spPr>
           <a:xfrm>
             <a:off x="685800" y="4343400"/>
-            <a:ext cx="5482440" cy="4110840"/>
+            <a:ext cx="5482080" cy="4110480"/>
           </a:xfrm>
           <a:prstGeom prst="rect">
             <a:avLst/>
@@ -1430,7 +1430,7 @@
         <p:spPr>
           <a:xfrm>
             <a:off x="3884760" y="8685360"/>
-            <a:ext cx="2967840" cy="453240"/>
+            <a:ext cx="2967480" cy="452880"/>
           </a:xfrm>
           <a:prstGeom prst="rect">
             <a:avLst/>
@@ -1466,7 +1466,7 @@
               </a:lnSpc>
               <a:buNone/>
             </a:pPr>
-            <a:fld id="{F36D4A16-9400-4F7B-982B-9FE381E63F65}" type="slidenum">
+            <a:fld id="{2824727C-126E-4FA8-B7A6-68037022FE67}" type="slidenum">
               <a:rPr b="0" lang="en-US" sz="1200" spc="-1" strike="noStrike">
                 <a:solidFill>
                   <a:srgbClr val="000000"/>
@@ -1517,7 +1517,7 @@
         <p:spPr>
           <a:xfrm>
             <a:off x="380880" y="685800"/>
-            <a:ext cx="6091920" cy="3425040"/>
+            <a:ext cx="6091560" cy="3424680"/>
           </a:xfrm>
           <a:prstGeom prst="rect">
             <a:avLst/>
@@ -1540,7 +1540,7 @@
         <p:spPr>
           <a:xfrm>
             <a:off x="685800" y="4343400"/>
-            <a:ext cx="5482440" cy="4110840"/>
+            <a:ext cx="5482080" cy="4110480"/>
           </a:xfrm>
           <a:prstGeom prst="rect">
             <a:avLst/>
@@ -1574,7 +1574,7 @@
         <p:spPr>
           <a:xfrm>
             <a:off x="3884760" y="8685360"/>
-            <a:ext cx="2967840" cy="453240"/>
+            <a:ext cx="2967480" cy="452880"/>
           </a:xfrm>
           <a:prstGeom prst="rect">
             <a:avLst/>
@@ -1610,7 +1610,7 @@
               </a:lnSpc>
               <a:buNone/>
             </a:pPr>
-            <a:fld id="{4FF6DF86-CED8-4890-AA3C-D1BEB74D9750}" type="slidenum">
+            <a:fld id="{58CA6E35-9A16-4FC5-BEE8-9A00EC33CDE9}" type="slidenum">
               <a:rPr b="0" lang="en-US" sz="1200" spc="-1" strike="noStrike">
                 <a:solidFill>
                   <a:srgbClr val="000000"/>
@@ -1661,7 +1661,7 @@
         <p:spPr>
           <a:xfrm>
             <a:off x="380880" y="685800"/>
-            <a:ext cx="6091920" cy="3425040"/>
+            <a:ext cx="6091560" cy="3424680"/>
           </a:xfrm>
           <a:prstGeom prst="rect">
             <a:avLst/>
@@ -1684,7 +1684,7 @@
         <p:spPr>
           <a:xfrm>
             <a:off x="685800" y="4343400"/>
-            <a:ext cx="5482440" cy="4110840"/>
+            <a:ext cx="5482080" cy="4110480"/>
           </a:xfrm>
           <a:prstGeom prst="rect">
             <a:avLst/>
@@ -1718,7 +1718,7 @@
         <p:spPr>
           <a:xfrm>
             <a:off x="3884760" y="8685360"/>
-            <a:ext cx="2967840" cy="453240"/>
+            <a:ext cx="2967480" cy="452880"/>
           </a:xfrm>
           <a:prstGeom prst="rect">
             <a:avLst/>
@@ -1754,7 +1754,7 @@
               </a:lnSpc>
               <a:buNone/>
             </a:pPr>
-            <a:fld id="{A5B9C718-3709-44E5-8E45-8E44CEB8F5DF}" type="slidenum">
+            <a:fld id="{88C9541F-72D0-4EBE-B9B9-133AE806AA91}" type="slidenum">
               <a:rPr b="0" lang="en-US" sz="1200" spc="-1" strike="noStrike">
                 <a:solidFill>
                   <a:srgbClr val="000000"/>
@@ -1805,7 +1805,7 @@
         <p:spPr>
           <a:xfrm>
             <a:off x="380880" y="685800"/>
-            <a:ext cx="6091920" cy="3425040"/>
+            <a:ext cx="6091560" cy="3424680"/>
           </a:xfrm>
           <a:prstGeom prst="rect">
             <a:avLst/>
@@ -1828,7 +1828,7 @@
         <p:spPr>
           <a:xfrm>
             <a:off x="685800" y="4343400"/>
-            <a:ext cx="5482440" cy="4110840"/>
+            <a:ext cx="5482080" cy="4110480"/>
           </a:xfrm>
           <a:prstGeom prst="rect">
             <a:avLst/>
@@ -1862,7 +1862,7 @@
         <p:spPr>
           <a:xfrm>
             <a:off x="3884760" y="8685360"/>
-            <a:ext cx="2967840" cy="453240"/>
+            <a:ext cx="2967480" cy="452880"/>
           </a:xfrm>
           <a:prstGeom prst="rect">
             <a:avLst/>
@@ -1898,7 +1898,7 @@
               </a:lnSpc>
               <a:buNone/>
             </a:pPr>
-            <a:fld id="{938E3B67-4E1F-44FE-B54E-52F6B7C3FA26}" type="slidenum">
+            <a:fld id="{96E57A01-1766-4BA5-BD8F-BB90BFEEE211}" type="slidenum">
               <a:rPr b="0" lang="en-US" sz="1200" spc="-1" strike="noStrike">
                 <a:solidFill>
                   <a:srgbClr val="000000"/>
@@ -1949,7 +1949,7 @@
         <p:spPr>
           <a:xfrm>
             <a:off x="380880" y="685800"/>
-            <a:ext cx="6091920" cy="3425040"/>
+            <a:ext cx="6091560" cy="3424680"/>
           </a:xfrm>
           <a:prstGeom prst="rect">
             <a:avLst/>
@@ -1972,7 +1972,7 @@
         <p:spPr>
           <a:xfrm>
             <a:off x="685800" y="4343400"/>
-            <a:ext cx="5482440" cy="4110840"/>
+            <a:ext cx="5482080" cy="4110480"/>
           </a:xfrm>
           <a:prstGeom prst="rect">
             <a:avLst/>
@@ -2006,7 +2006,7 @@
         <p:spPr>
           <a:xfrm>
             <a:off x="3884760" y="8685360"/>
-            <a:ext cx="2967840" cy="453240"/>
+            <a:ext cx="2967480" cy="452880"/>
           </a:xfrm>
           <a:prstGeom prst="rect">
             <a:avLst/>
@@ -2042,7 +2042,7 @@
               </a:lnSpc>
               <a:buNone/>
             </a:pPr>
-            <a:fld id="{02B08188-B554-4EC5-ACD6-CEB5CA2A5FF9}" type="slidenum">
+            <a:fld id="{24ECA628-8637-4ED2-90B9-3295B0460B6F}" type="slidenum">
               <a:rPr b="0" lang="en-US" sz="1200" spc="-1" strike="noStrike">
                 <a:solidFill>
                   <a:srgbClr val="000000"/>
@@ -2093,7 +2093,7 @@
         <p:spPr>
           <a:xfrm>
             <a:off x="380880" y="685800"/>
-            <a:ext cx="6091920" cy="3425040"/>
+            <a:ext cx="6091560" cy="3424680"/>
           </a:xfrm>
           <a:prstGeom prst="rect">
             <a:avLst/>
@@ -2116,7 +2116,7 @@
         <p:spPr>
           <a:xfrm>
             <a:off x="685800" y="4343400"/>
-            <a:ext cx="5482440" cy="4110840"/>
+            <a:ext cx="5482080" cy="4110480"/>
           </a:xfrm>
           <a:prstGeom prst="rect">
             <a:avLst/>
@@ -2150,7 +2150,7 @@
         <p:spPr>
           <a:xfrm>
             <a:off x="3884760" y="8685360"/>
-            <a:ext cx="2967840" cy="453240"/>
+            <a:ext cx="2967480" cy="452880"/>
           </a:xfrm>
           <a:prstGeom prst="rect">
             <a:avLst/>
@@ -2186,7 +2186,7 @@
               </a:lnSpc>
               <a:buNone/>
             </a:pPr>
-            <a:fld id="{C46A5227-4A46-4BE0-8353-C98167791B2A}" type="slidenum">
+            <a:fld id="{3A5DD45E-098E-4B6D-B905-4E8C58184589}" type="slidenum">
               <a:rPr b="0" lang="en-US" sz="1200" spc="-1" strike="noStrike">
                 <a:solidFill>
                   <a:srgbClr val="000000"/>
@@ -2237,7 +2237,7 @@
         <p:spPr>
           <a:xfrm>
             <a:off x="380880" y="685800"/>
-            <a:ext cx="6091920" cy="3425040"/>
+            <a:ext cx="6091560" cy="3424680"/>
           </a:xfrm>
           <a:prstGeom prst="rect">
             <a:avLst/>
@@ -2260,7 +2260,7 @@
         <p:spPr>
           <a:xfrm>
             <a:off x="685800" y="4343400"/>
-            <a:ext cx="5482440" cy="4110840"/>
+            <a:ext cx="5482080" cy="4110480"/>
           </a:xfrm>
           <a:prstGeom prst="rect">
             <a:avLst/>
@@ -2294,7 +2294,7 @@
         <p:spPr>
           <a:xfrm>
             <a:off x="3884760" y="8685360"/>
-            <a:ext cx="2967840" cy="453240"/>
+            <a:ext cx="2967480" cy="452880"/>
           </a:xfrm>
           <a:prstGeom prst="rect">
             <a:avLst/>
@@ -2330,7 +2330,7 @@
               </a:lnSpc>
               <a:buNone/>
             </a:pPr>
-            <a:fld id="{C9043C1C-5D00-4976-A851-5BCBB0045965}" type="slidenum">
+            <a:fld id="{DB4A0E6B-C7B3-4DF3-A205-2DA69BBE2FDA}" type="slidenum">
               <a:rPr b="0" lang="en-US" sz="1200" spc="-1" strike="noStrike">
                 <a:solidFill>
                   <a:srgbClr val="000000"/>
@@ -2381,7 +2381,7 @@
         <p:spPr>
           <a:xfrm>
             <a:off x="380880" y="685800"/>
-            <a:ext cx="6091920" cy="3425040"/>
+            <a:ext cx="6091560" cy="3424680"/>
           </a:xfrm>
           <a:prstGeom prst="rect">
             <a:avLst/>
@@ -2404,7 +2404,7 @@
         <p:spPr>
           <a:xfrm>
             <a:off x="685800" y="4343400"/>
-            <a:ext cx="5482440" cy="4110840"/>
+            <a:ext cx="5482080" cy="4110480"/>
           </a:xfrm>
           <a:prstGeom prst="rect">
             <a:avLst/>
@@ -2438,7 +2438,7 @@
         <p:spPr>
           <a:xfrm>
             <a:off x="3884760" y="8685360"/>
-            <a:ext cx="2967840" cy="453240"/>
+            <a:ext cx="2967480" cy="452880"/>
           </a:xfrm>
           <a:prstGeom prst="rect">
             <a:avLst/>
@@ -2474,7 +2474,7 @@
               </a:lnSpc>
               <a:buNone/>
             </a:pPr>
-            <a:fld id="{0B9146B7-1352-4110-A072-4930A194268C}" type="slidenum">
+            <a:fld id="{44ADC18D-A4BB-4C3B-A0DA-78E35B378483}" type="slidenum">
               <a:rPr b="0" lang="en-US" sz="1200" spc="-1" strike="noStrike">
                 <a:solidFill>
                   <a:srgbClr val="000000"/>
@@ -2525,7 +2525,7 @@
         <p:spPr>
           <a:xfrm>
             <a:off x="380880" y="685800"/>
-            <a:ext cx="6091920" cy="3425040"/>
+            <a:ext cx="6091560" cy="3424680"/>
           </a:xfrm>
           <a:prstGeom prst="rect">
             <a:avLst/>
@@ -2548,7 +2548,7 @@
         <p:spPr>
           <a:xfrm>
             <a:off x="685800" y="4343400"/>
-            <a:ext cx="5482440" cy="4110840"/>
+            <a:ext cx="5482080" cy="4110480"/>
           </a:xfrm>
           <a:prstGeom prst="rect">
             <a:avLst/>
@@ -2582,7 +2582,7 @@
         <p:spPr>
           <a:xfrm>
             <a:off x="3884760" y="8685360"/>
-            <a:ext cx="2967840" cy="453240"/>
+            <a:ext cx="2967480" cy="452880"/>
           </a:xfrm>
           <a:prstGeom prst="rect">
             <a:avLst/>
@@ -2618,7 +2618,7 @@
               </a:lnSpc>
               <a:buNone/>
             </a:pPr>
-            <a:fld id="{EF186C81-EF0C-4D6D-A18B-309CCCB15DBE}" type="slidenum">
+            <a:fld id="{D96FDB67-549C-48EE-A047-E9777A90AD9A}" type="slidenum">
               <a:rPr b="0" lang="en-US" sz="1200" spc="-1" strike="noStrike">
                 <a:solidFill>
                   <a:srgbClr val="000000"/>
@@ -2669,7 +2669,7 @@
         <p:spPr>
           <a:xfrm>
             <a:off x="380880" y="685800"/>
-            <a:ext cx="6091920" cy="3425040"/>
+            <a:ext cx="6091560" cy="3424680"/>
           </a:xfrm>
           <a:prstGeom prst="rect">
             <a:avLst/>
@@ -2692,7 +2692,7 @@
         <p:spPr>
           <a:xfrm>
             <a:off x="685800" y="4343400"/>
-            <a:ext cx="5482440" cy="4110840"/>
+            <a:ext cx="5482080" cy="4110480"/>
           </a:xfrm>
           <a:prstGeom prst="rect">
             <a:avLst/>
@@ -2726,7 +2726,7 @@
         <p:spPr>
           <a:xfrm>
             <a:off x="3884760" y="8685360"/>
-            <a:ext cx="2967840" cy="453240"/>
+            <a:ext cx="2967480" cy="452880"/>
           </a:xfrm>
           <a:prstGeom prst="rect">
             <a:avLst/>
@@ -2762,7 +2762,7 @@
               </a:lnSpc>
               <a:buNone/>
             </a:pPr>
-            <a:fld id="{C0442B47-96F6-4E7E-8B4C-A0F8A3233F16}" type="slidenum">
+            <a:fld id="{428546F5-9B28-4B29-878A-822E20335B15}" type="slidenum">
               <a:rPr b="0" lang="en-US" sz="1200" spc="-1" strike="noStrike">
                 <a:solidFill>
                   <a:srgbClr val="000000"/>
@@ -2813,7 +2813,7 @@
         <p:spPr>
           <a:xfrm>
             <a:off x="380880" y="685800"/>
-            <a:ext cx="6091920" cy="3425040"/>
+            <a:ext cx="6091560" cy="3424680"/>
           </a:xfrm>
           <a:prstGeom prst="rect">
             <a:avLst/>
@@ -2836,7 +2836,7 @@
         <p:spPr>
           <a:xfrm>
             <a:off x="685800" y="4343400"/>
-            <a:ext cx="5482440" cy="4110840"/>
+            <a:ext cx="5482080" cy="4110480"/>
           </a:xfrm>
           <a:prstGeom prst="rect">
             <a:avLst/>
@@ -2870,7 +2870,7 @@
         <p:spPr>
           <a:xfrm>
             <a:off x="3884760" y="8685360"/>
-            <a:ext cx="2967840" cy="453240"/>
+            <a:ext cx="2967480" cy="452880"/>
           </a:xfrm>
           <a:prstGeom prst="rect">
             <a:avLst/>
@@ -2906,7 +2906,7 @@
               </a:lnSpc>
               <a:buNone/>
             </a:pPr>
-            <a:fld id="{5258DA0C-E004-4F62-A483-4DE571B36AAF}" type="slidenum">
+            <a:fld id="{ADCCCB83-1F3D-446F-94E1-6CBB3E2DA878}" type="slidenum">
               <a:rPr b="0" lang="en-US" sz="1200" spc="-1" strike="noStrike">
                 <a:solidFill>
                   <a:srgbClr val="000000"/>
@@ -2957,7 +2957,7 @@
         <p:spPr>
           <a:xfrm>
             <a:off x="380880" y="685800"/>
-            <a:ext cx="6091920" cy="3425040"/>
+            <a:ext cx="6091560" cy="3424680"/>
           </a:xfrm>
           <a:prstGeom prst="rect">
             <a:avLst/>
@@ -2980,7 +2980,7 @@
         <p:spPr>
           <a:xfrm>
             <a:off x="685800" y="4343400"/>
-            <a:ext cx="5482440" cy="4110840"/>
+            <a:ext cx="5482080" cy="4110480"/>
           </a:xfrm>
           <a:prstGeom prst="rect">
             <a:avLst/>
@@ -3014,7 +3014,7 @@
         <p:spPr>
           <a:xfrm>
             <a:off x="3884760" y="8685360"/>
-            <a:ext cx="2967840" cy="453240"/>
+            <a:ext cx="2967480" cy="452880"/>
           </a:xfrm>
           <a:prstGeom prst="rect">
             <a:avLst/>
@@ -3050,7 +3050,7 @@
               </a:lnSpc>
               <a:buNone/>
             </a:pPr>
-            <a:fld id="{4C5DAC74-510C-49D2-96CC-F277E17ABBAD}" type="slidenum">
+            <a:fld id="{0A3CACBD-40E4-42FD-A677-9017C9E67227}" type="slidenum">
               <a:rPr b="0" lang="en-US" sz="1200" spc="-1" strike="noStrike">
                 <a:solidFill>
                   <a:srgbClr val="000000"/>
@@ -3101,7 +3101,7 @@
         <p:spPr>
           <a:xfrm>
             <a:off x="380880" y="685800"/>
-            <a:ext cx="6091920" cy="3425040"/>
+            <a:ext cx="6091560" cy="3424680"/>
           </a:xfrm>
           <a:prstGeom prst="rect">
             <a:avLst/>
@@ -3124,7 +3124,7 @@
         <p:spPr>
           <a:xfrm>
             <a:off x="685800" y="4343400"/>
-            <a:ext cx="5482440" cy="4110840"/>
+            <a:ext cx="5482080" cy="4110480"/>
           </a:xfrm>
           <a:prstGeom prst="rect">
             <a:avLst/>
@@ -3158,7 +3158,7 @@
         <p:spPr>
           <a:xfrm>
             <a:off x="3884760" y="8685360"/>
-            <a:ext cx="2967840" cy="453240"/>
+            <a:ext cx="2967480" cy="452880"/>
           </a:xfrm>
           <a:prstGeom prst="rect">
             <a:avLst/>
@@ -3194,7 +3194,7 @@
               </a:lnSpc>
               <a:buNone/>
             </a:pPr>
-            <a:fld id="{2535045D-A9CA-485C-9EB1-9D6B7ADBE1FB}" type="slidenum">
+            <a:fld id="{B3F5C0E8-07FC-452D-93BF-211CFFF9CF2E}" type="slidenum">
               <a:rPr b="0" lang="en-US" sz="1200" spc="-1" strike="noStrike">
                 <a:solidFill>
                   <a:srgbClr val="000000"/>
@@ -3245,7 +3245,7 @@
         <p:spPr>
           <a:xfrm>
             <a:off x="380880" y="685800"/>
-            <a:ext cx="6091920" cy="3425040"/>
+            <a:ext cx="6091560" cy="3424680"/>
           </a:xfrm>
           <a:prstGeom prst="rect">
             <a:avLst/>
@@ -3268,7 +3268,7 @@
         <p:spPr>
           <a:xfrm>
             <a:off x="685800" y="4343400"/>
-            <a:ext cx="5482440" cy="4110840"/>
+            <a:ext cx="5482080" cy="4110480"/>
           </a:xfrm>
           <a:prstGeom prst="rect">
             <a:avLst/>
@@ -3302,7 +3302,7 @@
         <p:spPr>
           <a:xfrm>
             <a:off x="3884760" y="8685360"/>
-            <a:ext cx="2967840" cy="453240"/>
+            <a:ext cx="2967480" cy="452880"/>
           </a:xfrm>
           <a:prstGeom prst="rect">
             <a:avLst/>
@@ -3338,7 +3338,7 @@
               </a:lnSpc>
               <a:buNone/>
             </a:pPr>
-            <a:fld id="{5D98A967-805D-40FE-A40B-E65F18A1FEE7}" type="slidenum">
+            <a:fld id="{D09563E2-1EFF-4F19-A1AE-D1A675D2BC1B}" type="slidenum">
               <a:rPr b="0" lang="en-US" sz="1200" spc="-1" strike="noStrike">
                 <a:solidFill>
                   <a:srgbClr val="000000"/>
@@ -3389,7 +3389,7 @@
         <p:spPr>
           <a:xfrm>
             <a:off x="380880" y="685800"/>
-            <a:ext cx="6091920" cy="3425040"/>
+            <a:ext cx="6091560" cy="3424680"/>
           </a:xfrm>
           <a:prstGeom prst="rect">
             <a:avLst/>
@@ -3412,7 +3412,7 @@
         <p:spPr>
           <a:xfrm>
             <a:off x="685800" y="4343400"/>
-            <a:ext cx="5482440" cy="4110840"/>
+            <a:ext cx="5482080" cy="4110480"/>
           </a:xfrm>
           <a:prstGeom prst="rect">
             <a:avLst/>
@@ -3446,7 +3446,7 @@
         <p:spPr>
           <a:xfrm>
             <a:off x="3884760" y="8685360"/>
-            <a:ext cx="2967840" cy="453240"/>
+            <a:ext cx="2967480" cy="452880"/>
           </a:xfrm>
           <a:prstGeom prst="rect">
             <a:avLst/>
@@ -3482,7 +3482,7 @@
               </a:lnSpc>
               <a:buNone/>
             </a:pPr>
-            <a:fld id="{14D15A81-35D2-4890-AA47-B6679866C13C}" type="slidenum">
+            <a:fld id="{8D6A7402-EEF7-4168-93AD-A106B98A8AD4}" type="slidenum">
               <a:rPr b="0" lang="en-US" sz="1200" spc="-1" strike="noStrike">
                 <a:solidFill>
                   <a:srgbClr val="000000"/>
@@ -3533,7 +3533,7 @@
         <p:spPr>
           <a:xfrm>
             <a:off x="380880" y="685800"/>
-            <a:ext cx="6091920" cy="3425040"/>
+            <a:ext cx="6091560" cy="3424680"/>
           </a:xfrm>
           <a:prstGeom prst="rect">
             <a:avLst/>
@@ -3556,7 +3556,7 @@
         <p:spPr>
           <a:xfrm>
             <a:off x="685800" y="4343400"/>
-            <a:ext cx="5482440" cy="4110840"/>
+            <a:ext cx="5482080" cy="4110480"/>
           </a:xfrm>
           <a:prstGeom prst="rect">
             <a:avLst/>
@@ -3590,7 +3590,7 @@
         <p:spPr>
           <a:xfrm>
             <a:off x="3884760" y="8685360"/>
-            <a:ext cx="2967840" cy="453240"/>
+            <a:ext cx="2967480" cy="452880"/>
           </a:xfrm>
           <a:prstGeom prst="rect">
             <a:avLst/>
@@ -3626,7 +3626,7 @@
               </a:lnSpc>
               <a:buNone/>
             </a:pPr>
-            <a:fld id="{72F5EF24-5B46-4AEA-B5DF-638B6307DFDD}" type="slidenum">
+            <a:fld id="{EFF4BAC6-E215-4DA2-9AAC-79CC7D506762}" type="slidenum">
               <a:rPr b="0" lang="en-US" sz="1200" spc="-1" strike="noStrike">
                 <a:solidFill>
                   <a:srgbClr val="000000"/>
@@ -3677,7 +3677,7 @@
         <p:spPr>
           <a:xfrm>
             <a:off x="380880" y="685800"/>
-            <a:ext cx="6091920" cy="3425040"/>
+            <a:ext cx="6091560" cy="3424680"/>
           </a:xfrm>
           <a:prstGeom prst="rect">
             <a:avLst/>
@@ -3700,7 +3700,7 @@
         <p:spPr>
           <a:xfrm>
             <a:off x="685800" y="4343400"/>
-            <a:ext cx="5482440" cy="4110840"/>
+            <a:ext cx="5482080" cy="4110480"/>
           </a:xfrm>
           <a:prstGeom prst="rect">
             <a:avLst/>
@@ -3734,7 +3734,7 @@
         <p:spPr>
           <a:xfrm>
             <a:off x="3884760" y="8685360"/>
-            <a:ext cx="2967840" cy="453240"/>
+            <a:ext cx="2967480" cy="452880"/>
           </a:xfrm>
           <a:prstGeom prst="rect">
             <a:avLst/>
@@ -3770,7 +3770,7 @@
               </a:lnSpc>
               <a:buNone/>
             </a:pPr>
-            <a:fld id="{E83771F1-6F2D-43C6-983D-4009A417066B}" type="slidenum">
+            <a:fld id="{276AFD11-7A0B-47A8-A29F-AF3E774811E9}" type="slidenum">
               <a:rPr b="0" lang="en-US" sz="1200" spc="-1" strike="noStrike">
                 <a:solidFill>
                   <a:srgbClr val="000000"/>
@@ -3821,7 +3821,7 @@
         <p:spPr>
           <a:xfrm>
             <a:off x="380880" y="685800"/>
-            <a:ext cx="6091920" cy="3425040"/>
+            <a:ext cx="6091560" cy="3424680"/>
           </a:xfrm>
           <a:prstGeom prst="rect">
             <a:avLst/>
@@ -3844,7 +3844,7 @@
         <p:spPr>
           <a:xfrm>
             <a:off x="685800" y="4343400"/>
-            <a:ext cx="5482440" cy="4110840"/>
+            <a:ext cx="5482080" cy="4110480"/>
           </a:xfrm>
           <a:prstGeom prst="rect">
             <a:avLst/>
@@ -3878,7 +3878,7 @@
         <p:spPr>
           <a:xfrm>
             <a:off x="3884760" y="8685360"/>
-            <a:ext cx="2967840" cy="453240"/>
+            <a:ext cx="2967480" cy="452880"/>
           </a:xfrm>
           <a:prstGeom prst="rect">
             <a:avLst/>
@@ -3914,7 +3914,7 @@
               </a:lnSpc>
               <a:buNone/>
             </a:pPr>
-            <a:fld id="{D04BE55E-FE6B-42B9-A24C-881CC74F9512}" type="slidenum">
+            <a:fld id="{B028C7C2-3711-4761-A3C2-E3DD8A879BA3}" type="slidenum">
               <a:rPr b="0" lang="en-US" sz="1200" spc="-1" strike="noStrike">
                 <a:solidFill>
                   <a:srgbClr val="000000"/>
@@ -3965,7 +3965,7 @@
         <p:spPr>
           <a:xfrm>
             <a:off x="380880" y="685800"/>
-            <a:ext cx="6091920" cy="3425040"/>
+            <a:ext cx="6091560" cy="3424680"/>
           </a:xfrm>
           <a:prstGeom prst="rect">
             <a:avLst/>
@@ -3988,7 +3988,7 @@
         <p:spPr>
           <a:xfrm>
             <a:off x="685800" y="4343400"/>
-            <a:ext cx="5482440" cy="4110840"/>
+            <a:ext cx="5482080" cy="4110480"/>
           </a:xfrm>
           <a:prstGeom prst="rect">
             <a:avLst/>
@@ -4022,7 +4022,7 @@
         <p:spPr>
           <a:xfrm>
             <a:off x="3884760" y="8685360"/>
-            <a:ext cx="2967840" cy="453240"/>
+            <a:ext cx="2967480" cy="452880"/>
           </a:xfrm>
           <a:prstGeom prst="rect">
             <a:avLst/>
@@ -4058,7 +4058,7 @@
               </a:lnSpc>
               <a:buNone/>
             </a:pPr>
-            <a:fld id="{3784627B-2358-4BFB-A433-5A84F18592CF}" type="slidenum">
+            <a:fld id="{3B39BB8D-52E1-46C8-9E83-4506075D8AF6}" type="slidenum">
               <a:rPr b="0" lang="en-US" sz="1200" spc="-1" strike="noStrike">
                 <a:solidFill>
                   <a:srgbClr val="000000"/>
@@ -4130,7 +4130,7 @@
         <p:txBody>
           <a:bodyPr/>
           <a:p>
-            <a:fld id="{3D6E7101-3366-48A4-ADA8-23AA9A35DD4B}" type="slidenum">
+            <a:fld id="{5105CE45-3071-42D5-B810-9F772AFA5CAD}" type="slidenum">
               <a:t>&lt;#&gt;</a:t>
             </a:fld>
           </a:p>
@@ -4318,7 +4318,7 @@
         <p:txBody>
           <a:bodyPr/>
           <a:p>
-            <a:fld id="{6E5CE337-791F-4EAD-970C-97A37EE47BB9}" type="slidenum">
+            <a:fld id="{58BFD1B9-6243-4681-9BB8-12E9FBAB10B3}" type="slidenum">
               <a:t>&lt;#&gt;</a:t>
             </a:fld>
           </a:p>
@@ -4574,7 +4574,7 @@
         <p:txBody>
           <a:bodyPr/>
           <a:p>
-            <a:fld id="{3196271F-E274-42D2-8938-8DF1DE7C7A57}" type="slidenum">
+            <a:fld id="{34F543A2-5097-4029-ACD7-7953E7665EAB}" type="slidenum">
               <a:t>&lt;#&gt;</a:t>
             </a:fld>
           </a:p>
@@ -4898,7 +4898,7 @@
         <p:txBody>
           <a:bodyPr/>
           <a:p>
-            <a:fld id="{4802F958-2D2C-477D-B294-7B72792BAECC}" type="slidenum">
+            <a:fld id="{00795E98-42CF-4FD1-AAAD-B60A0D9DD707}" type="slidenum">
               <a:t>&lt;#&gt;</a:t>
             </a:fld>
           </a:p>
@@ -5055,7 +5055,7 @@
         <p:txBody>
           <a:bodyPr/>
           <a:p>
-            <a:fld id="{F28E681F-6688-4A87-84EA-0C15A6F88D1A}" type="slidenum">
+            <a:fld id="{D5CE79C0-C55A-4A9E-8BF0-3D59790475F4}" type="slidenum">
               <a:t>&lt;#&gt;</a:t>
             </a:fld>
           </a:p>
@@ -5209,7 +5209,7 @@
         <p:txBody>
           <a:bodyPr/>
           <a:p>
-            <a:fld id="{0D2EBE5B-56D3-4C52-BCC0-CA92E526951C}" type="slidenum">
+            <a:fld id="{37125792-5635-4ED8-ADD3-B969E4B4CC10}" type="slidenum">
               <a:t>&lt;#&gt;</a:t>
             </a:fld>
           </a:p>
@@ -5397,7 +5397,7 @@
         <p:txBody>
           <a:bodyPr/>
           <a:p>
-            <a:fld id="{20F86F9B-381A-4455-9BCA-922AF7C54EB0}" type="slidenum">
+            <a:fld id="{1DC5A8F5-3683-4E02-9408-6335CD2204E5}" type="slidenum">
               <a:t>&lt;#&gt;</a:t>
             </a:fld>
           </a:p>
@@ -5517,7 +5517,7 @@
         <p:txBody>
           <a:bodyPr/>
           <a:p>
-            <a:fld id="{FA749D32-0729-4C46-BA22-C0993BBA98A9}" type="slidenum">
+            <a:fld id="{34482DF2-31BB-4693-B75A-54671A5720C9}" type="slidenum">
               <a:t>&lt;#&gt;</a:t>
             </a:fld>
           </a:p>
@@ -5637,7 +5637,7 @@
         <p:txBody>
           <a:bodyPr/>
           <a:p>
-            <a:fld id="{8B306CEB-B4ED-4CE3-9555-438B4D48AC70}" type="slidenum">
+            <a:fld id="{B0C2F976-17FD-4D87-A3C5-1614039E4674}" type="slidenum">
               <a:t>&lt;#&gt;</a:t>
             </a:fld>
           </a:p>
@@ -5859,7 +5859,7 @@
         <p:txBody>
           <a:bodyPr/>
           <a:p>
-            <a:fld id="{634AECFE-E357-417B-AA7A-4103AAB3135A}" type="slidenum">
+            <a:fld id="{CF77ACCC-B531-4D5C-9B89-4D07856F4E32}" type="slidenum">
               <a:t>&lt;#&gt;</a:t>
             </a:fld>
           </a:p>
@@ -6081,7 +6081,7 @@
         <p:txBody>
           <a:bodyPr/>
           <a:p>
-            <a:fld id="{9BECDCCE-3EA5-49DC-B9E8-D0F661C53DD3}" type="slidenum">
+            <a:fld id="{8365314F-FFB2-47CE-9801-E57CF68296EB}" type="slidenum">
               <a:t>&lt;#&gt;</a:t>
             </a:fld>
           </a:p>
@@ -6303,7 +6303,7 @@
         <p:txBody>
           <a:bodyPr/>
           <a:p>
-            <a:fld id="{FD20A0D9-C322-4028-B92C-70E8F0A8E214}" type="slidenum">
+            <a:fld id="{C23E8F27-CE83-4A2A-BDD9-CF25B7472998}" type="slidenum">
               <a:t>&lt;#&gt;</a:t>
             </a:fld>
           </a:p>
@@ -6372,7 +6372,7 @@
         <p:spPr>
           <a:xfrm>
             <a:off x="3028680" y="4771440"/>
-            <a:ext cx="3082680" cy="270720"/>
+            <a:ext cx="3082320" cy="270360"/>
           </a:xfrm>
           <a:prstGeom prst="rect">
             <a:avLst/>
@@ -6437,7 +6437,7 @@
         <p:spPr>
           <a:xfrm>
             <a:off x="6457680" y="4771440"/>
-            <a:ext cx="2054160" cy="270720"/>
+            <a:ext cx="2053800" cy="270360"/>
           </a:xfrm>
           <a:prstGeom prst="rect">
             <a:avLst/>
@@ -6473,7 +6473,7 @@
               </a:lnSpc>
               <a:buNone/>
             </a:pPr>
-            <a:fld id="{3AB6432D-0099-4EC3-86D5-FD3D2FA2427C}" type="slidenum">
+            <a:fld id="{BC804586-26AE-4C8A-BAE2-A7CBDC94B648}" type="slidenum">
               <a:rPr b="0" lang="en-US" sz="1200" spc="-1" strike="noStrike">
                 <a:solidFill>
                   <a:srgbClr val="8b8b8b"/>
@@ -6502,7 +6502,7 @@
         <p:spPr>
           <a:xfrm>
             <a:off x="628200" y="4771440"/>
-            <a:ext cx="2054160" cy="270720"/>
+            <a:ext cx="2053800" cy="270360"/>
           </a:xfrm>
           <a:prstGeom prst="rect">
             <a:avLst/>
@@ -6571,43 +6571,7 @@
               <a:rPr b="0" lang="en-US" sz="4400" spc="-1" strike="noStrike">
                 <a:latin typeface="Arial"/>
               </a:rPr>
-              <a:t>Click </a:t>
-            </a:r>
-            <a:r>
-              <a:rPr b="0" lang="en-US" sz="4400" spc="-1" strike="noStrike">
-                <a:latin typeface="Arial"/>
-              </a:rPr>
-              <a:t>to edit </a:t>
-            </a:r>
-            <a:r>
-              <a:rPr b="0" lang="en-US" sz="4400" spc="-1" strike="noStrike">
-                <a:latin typeface="Arial"/>
-              </a:rPr>
-              <a:t>the </a:t>
-            </a:r>
-            <a:r>
-              <a:rPr b="0" lang="en-US" sz="4400" spc="-1" strike="noStrike">
-                <a:latin typeface="Arial"/>
-              </a:rPr>
-              <a:t>title </a:t>
-            </a:r>
-            <a:r>
-              <a:rPr b="0" lang="en-US" sz="4400" spc="-1" strike="noStrike">
-                <a:latin typeface="Arial"/>
-              </a:rPr>
-              <a:t>text </a:t>
-            </a:r>
-            <a:r>
-              <a:rPr b="0" lang="en-US" sz="4400" spc="-1" strike="noStrike">
-                <a:latin typeface="Arial"/>
-              </a:rPr>
-              <a:t>forma</a:t>
-            </a:r>
-            <a:r>
-              <a:rPr b="0" lang="en-US" sz="4400" spc="-1" strike="noStrike">
-                <a:latin typeface="Arial"/>
-              </a:rPr>
-              <a:t>t</a:t>
+              <a:t>Click to edit the title text format</a:t>
             </a:r>
             <a:endParaRPr b="0" lang="en-US" sz="4400" spc="-1" strike="noStrike">
               <a:latin typeface="Arial"/>
@@ -6850,8 +6814,8 @@
         </p:nvSpPr>
         <p:spPr>
           <a:xfrm rot="2744400">
-            <a:off x="-281520" y="-25920"/>
-            <a:ext cx="704880" cy="704520"/>
+            <a:off x="-281160" y="-25920"/>
+            <a:ext cx="704520" cy="704160"/>
           </a:xfrm>
           <a:prstGeom prst="roundRect">
             <a:avLst>
@@ -6889,7 +6853,7 @@
         <p:spPr>
           <a:xfrm rot="2625600">
             <a:off x="6024960" y="4332960"/>
-            <a:ext cx="468720" cy="468720"/>
+            <a:ext cx="468360" cy="468360"/>
           </a:xfrm>
           <a:prstGeom prst="roundRect">
             <a:avLst>
@@ -6926,8 +6890,8 @@
         </p:nvSpPr>
         <p:spPr>
           <a:xfrm rot="18679200">
-            <a:off x="7004160" y="948600"/>
-            <a:ext cx="4940280" cy="4666680"/>
+            <a:off x="7003800" y="948600"/>
+            <a:ext cx="4939920" cy="4666320"/>
           </a:xfrm>
           <a:prstGeom prst="roundRect">
             <a:avLst>
@@ -6965,7 +6929,7 @@
         <p:spPr>
           <a:xfrm>
             <a:off x="459720" y="4671360"/>
-            <a:ext cx="2995920" cy="266760"/>
+            <a:ext cx="2995560" cy="266400"/>
           </a:xfrm>
           <a:prstGeom prst="rect">
             <a:avLst/>
@@ -7030,8 +6994,8 @@
         </p:blipFill>
         <p:spPr>
           <a:xfrm>
-            <a:off x="2423160" y="4671720"/>
-            <a:ext cx="288360" cy="288360"/>
+            <a:off x="2999160" y="4743720"/>
+            <a:ext cx="288000" cy="288000"/>
           </a:xfrm>
           <a:prstGeom prst="rect">
             <a:avLst/>
@@ -7050,7 +7014,7 @@
         <p:spPr>
           <a:xfrm>
             <a:off x="484920" y="1681560"/>
-            <a:ext cx="5481360" cy="1882800"/>
+            <a:ext cx="5481000" cy="1882440"/>
           </a:xfrm>
           <a:prstGeom prst="rect">
             <a:avLst/>
@@ -7138,8 +7102,8 @@
         </p:nvSpPr>
         <p:spPr>
           <a:xfrm rot="2744400">
-            <a:off x="-281520" y="-25920"/>
-            <a:ext cx="704880" cy="704520"/>
+            <a:off x="-281160" y="-25920"/>
+            <a:ext cx="704520" cy="704160"/>
           </a:xfrm>
           <a:prstGeom prst="roundRect">
             <a:avLst>
@@ -7177,7 +7141,7 @@
         <p:spPr>
           <a:xfrm rot="2332200">
             <a:off x="6009480" y="-319680"/>
-            <a:ext cx="4856040" cy="7727040"/>
+            <a:ext cx="4855680" cy="7726680"/>
           </a:xfrm>
           <a:prstGeom prst="roundRect">
             <a:avLst>
@@ -7215,9 +7179,9 @@
         <p:grpSpPr>
           <a:xfrm>
             <a:off x="4571640" y="828000"/>
-            <a:ext cx="4468680" cy="3564720"/>
+            <a:ext cx="4468320" cy="3564360"/>
             <a:chOff x="4571640" y="828000"/>
-            <a:chExt cx="4468680" cy="3564720"/>
+            <a:chExt cx="4468320" cy="3564360"/>
           </a:xfrm>
         </p:grpSpPr>
         <p:pic>
@@ -7233,7 +7197,7 @@
           <p:spPr>
             <a:xfrm>
               <a:off x="4571640" y="828000"/>
-              <a:ext cx="4468680" cy="3564720"/>
+              <a:ext cx="4468320" cy="3564360"/>
             </a:xfrm>
             <a:prstGeom prst="rect">
               <a:avLst/>
@@ -7251,8 +7215,8 @@
           </p:nvSpPr>
           <p:spPr>
             <a:xfrm rot="16200000">
-              <a:off x="5962680" y="1158480"/>
-              <a:ext cx="1737720" cy="2771640"/>
+              <a:off x="5962680" y="1158840"/>
+              <a:ext cx="1737360" cy="2771280"/>
             </a:xfrm>
             <a:prstGeom prst="roundRect">
               <a:avLst>
@@ -7319,7 +7283,7 @@
         <p:spPr>
           <a:xfrm>
             <a:off x="5446080" y="1672200"/>
-            <a:ext cx="2771280" cy="1737720"/>
+            <a:ext cx="2770920" cy="1737360"/>
           </a:xfrm>
           <a:prstGeom prst="rect">
             <a:avLst/>
@@ -7371,7 +7335,7 @@
         <p:spPr>
           <a:xfrm>
             <a:off x="586440" y="1246680"/>
-            <a:ext cx="4004640" cy="3600360"/>
+            <a:ext cx="4004280" cy="3600000"/>
           </a:xfrm>
           <a:prstGeom prst="rect">
             <a:avLst/>
@@ -7423,7 +7387,7 @@
         <p:spPr>
           <a:xfrm>
             <a:off x="586440" y="453960"/>
-            <a:ext cx="4764600" cy="855720"/>
+            <a:ext cx="4764240" cy="855360"/>
           </a:xfrm>
           <a:prstGeom prst="rect">
             <a:avLst/>
@@ -7512,7 +7476,7 @@
         <p:spPr>
           <a:xfrm rot="2745600">
             <a:off x="8349840" y="-668160"/>
-            <a:ext cx="1498680" cy="1498680"/>
+            <a:ext cx="1498320" cy="1498320"/>
           </a:xfrm>
           <a:prstGeom prst="roundRect">
             <a:avLst>
@@ -7549,8 +7513,8 @@
         </p:nvSpPr>
         <p:spPr>
           <a:xfrm rot="2745600">
-            <a:off x="7634160" y="-322560"/>
-            <a:ext cx="807480" cy="807840"/>
+            <a:off x="7634160" y="-322200"/>
+            <a:ext cx="807120" cy="807480"/>
           </a:xfrm>
           <a:prstGeom prst="roundRect">
             <a:avLst>
@@ -7589,7 +7553,7 @@
         <p:spPr>
           <a:xfrm>
             <a:off x="586440" y="899640"/>
-            <a:ext cx="7932240" cy="1537560"/>
+            <a:ext cx="7931880" cy="1537200"/>
           </a:xfrm>
           <a:prstGeom prst="rect">
             <a:avLst/>
@@ -7641,7 +7605,7 @@
         <p:spPr>
           <a:xfrm>
             <a:off x="608040" y="2545560"/>
-            <a:ext cx="3712680" cy="2256120"/>
+            <a:ext cx="3712320" cy="2255760"/>
           </a:xfrm>
           <a:prstGeom prst="rect">
             <a:avLst/>
@@ -7693,7 +7657,7 @@
         <p:spPr>
           <a:xfrm>
             <a:off x="4806360" y="2545560"/>
-            <a:ext cx="3712680" cy="2256120"/>
+            <a:ext cx="3712320" cy="2255760"/>
           </a:xfrm>
           <a:prstGeom prst="rect">
             <a:avLst/>
@@ -7745,7 +7709,7 @@
         <p:spPr>
           <a:xfrm>
             <a:off x="583200" y="450720"/>
-            <a:ext cx="7198560" cy="512640"/>
+            <a:ext cx="7198200" cy="512280"/>
           </a:xfrm>
           <a:prstGeom prst="rect">
             <a:avLst/>
@@ -7827,7 +7791,7 @@
         <p:spPr>
           <a:xfrm>
             <a:off x="586440" y="1246680"/>
-            <a:ext cx="4004640" cy="3600360"/>
+            <a:ext cx="4004280" cy="3600000"/>
           </a:xfrm>
           <a:prstGeom prst="rect">
             <a:avLst/>
@@ -7879,7 +7843,7 @@
         <p:spPr>
           <a:xfrm>
             <a:off x="559800" y="446040"/>
-            <a:ext cx="4284000" cy="684000"/>
+            <a:ext cx="4283640" cy="683640"/>
           </a:xfrm>
           <a:prstGeom prst="rect">
             <a:avLst/>
@@ -7931,7 +7895,7 @@
         <p:spPr>
           <a:xfrm>
             <a:off x="5097600" y="360"/>
-            <a:ext cx="4380120" cy="5144400"/>
+            <a:ext cx="4379760" cy="5144040"/>
           </a:xfrm>
           <a:prstGeom prst="roundRect">
             <a:avLst>
@@ -7996,8 +7960,8 @@
         </p:nvSpPr>
         <p:spPr>
           <a:xfrm rot="2744400">
-            <a:off x="-281520" y="-25920"/>
-            <a:ext cx="704880" cy="704520"/>
+            <a:off x="-281160" y="-25920"/>
+            <a:ext cx="704520" cy="704160"/>
           </a:xfrm>
           <a:prstGeom prst="roundRect">
             <a:avLst>
@@ -8035,7 +7999,7 @@
         <p:spPr>
           <a:xfrm rot="2625600">
             <a:off x="4861080" y="4146840"/>
-            <a:ext cx="468720" cy="468720"/>
+            <a:ext cx="468360" cy="468360"/>
           </a:xfrm>
           <a:prstGeom prst="roundRect">
             <a:avLst>
@@ -8109,8 +8073,8 @@
         </p:nvSpPr>
         <p:spPr>
           <a:xfrm rot="2744400">
-            <a:off x="-350640" y="4540320"/>
-            <a:ext cx="704880" cy="704520"/>
+            <a:off x="-350280" y="4539960"/>
+            <a:ext cx="704520" cy="704160"/>
           </a:xfrm>
           <a:prstGeom prst="roundRect">
             <a:avLst>
@@ -8147,8 +8111,8 @@
         </p:nvSpPr>
         <p:spPr>
           <a:xfrm rot="19228200">
-            <a:off x="5846760" y="-2266920"/>
-            <a:ext cx="4855680" cy="7726680"/>
+            <a:off x="5846400" y="-2266560"/>
+            <a:ext cx="4855320" cy="7726320"/>
           </a:xfrm>
           <a:prstGeom prst="roundRect">
             <a:avLst>
@@ -8186,9 +8150,9 @@
         <p:grpSpPr>
           <a:xfrm>
             <a:off x="4571640" y="828000"/>
-            <a:ext cx="4468680" cy="3564720"/>
+            <a:ext cx="4468320" cy="3564360"/>
             <a:chOff x="4571640" y="828000"/>
-            <a:chExt cx="4468680" cy="3564720"/>
+            <a:chExt cx="4468320" cy="3564360"/>
           </a:xfrm>
         </p:grpSpPr>
         <p:pic>
@@ -8204,7 +8168,7 @@
           <p:spPr>
             <a:xfrm>
               <a:off x="4571640" y="828000"/>
-              <a:ext cx="4468680" cy="3564720"/>
+              <a:ext cx="4468320" cy="3564360"/>
             </a:xfrm>
             <a:prstGeom prst="rect">
               <a:avLst/>
@@ -8222,8 +8186,8 @@
           </p:nvSpPr>
           <p:spPr>
             <a:xfrm rot="16200000">
-              <a:off x="5962680" y="1158480"/>
-              <a:ext cx="1737720" cy="2771640"/>
+              <a:off x="5962680" y="1158840"/>
+              <a:ext cx="1737360" cy="2771280"/>
             </a:xfrm>
             <a:prstGeom prst="roundRect">
               <a:avLst>
@@ -8290,7 +8254,7 @@
         <p:spPr>
           <a:xfrm>
             <a:off x="586440" y="1246680"/>
-            <a:ext cx="4004640" cy="3600360"/>
+            <a:ext cx="4004280" cy="3600000"/>
           </a:xfrm>
           <a:prstGeom prst="rect">
             <a:avLst/>
@@ -8342,7 +8306,7 @@
         <p:spPr>
           <a:xfrm>
             <a:off x="5446080" y="1672200"/>
-            <a:ext cx="2780640" cy="1737720"/>
+            <a:ext cx="2780280" cy="1737360"/>
           </a:xfrm>
           <a:prstGeom prst="rect">
             <a:avLst/>
@@ -8394,7 +8358,7 @@
         <p:spPr>
           <a:xfrm>
             <a:off x="586440" y="453960"/>
-            <a:ext cx="3697200" cy="855720"/>
+            <a:ext cx="3696840" cy="855360"/>
           </a:xfrm>
           <a:prstGeom prst="rect">
             <a:avLst/>
@@ -8483,7 +8447,7 @@
         <p:spPr>
           <a:xfrm>
             <a:off x="4222080" y="1246680"/>
-            <a:ext cx="4115520" cy="3600360"/>
+            <a:ext cx="4115160" cy="3600000"/>
           </a:xfrm>
           <a:prstGeom prst="rect">
             <a:avLst/>
@@ -8534,8 +8498,8 @@
         </p:nvSpPr>
         <p:spPr>
           <a:xfrm rot="16200000">
-            <a:off x="-2181600" y="1733040"/>
-            <a:ext cx="5144400" cy="1684440"/>
+            <a:off x="-2181600" y="1733400"/>
+            <a:ext cx="5144040" cy="1684080"/>
           </a:xfrm>
           <a:prstGeom prst="roundRect">
             <a:avLst>
@@ -8572,8 +8536,8 @@
         </p:nvSpPr>
         <p:spPr>
           <a:xfrm rot="2745000">
-            <a:off x="8575200" y="104040"/>
-            <a:ext cx="1132920" cy="1132560"/>
+            <a:off x="8575200" y="103680"/>
+            <a:ext cx="1132560" cy="1132200"/>
           </a:xfrm>
           <a:prstGeom prst="roundRect">
             <a:avLst>
@@ -8610,8 +8574,8 @@
         </p:nvSpPr>
         <p:spPr>
           <a:xfrm rot="16200000">
-            <a:off x="614880" y="918360"/>
-            <a:ext cx="3232440" cy="3314160"/>
+            <a:off x="614880" y="918720"/>
+            <a:ext cx="3232080" cy="3313800"/>
           </a:xfrm>
           <a:prstGeom prst="roundRect">
             <a:avLst>
@@ -8677,7 +8641,7 @@
         <p:spPr>
           <a:xfrm>
             <a:off x="4214160" y="456120"/>
-            <a:ext cx="4112280" cy="855720"/>
+            <a:ext cx="4111920" cy="855360"/>
           </a:xfrm>
           <a:prstGeom prst="rect">
             <a:avLst/>
@@ -8765,8 +8729,8 @@
         </p:nvSpPr>
         <p:spPr>
           <a:xfrm rot="2744400">
-            <a:off x="-281520" y="-25920"/>
-            <a:ext cx="704880" cy="704520"/>
+            <a:off x="-281160" y="-25920"/>
+            <a:ext cx="704520" cy="704160"/>
           </a:xfrm>
           <a:prstGeom prst="roundRect">
             <a:avLst>
@@ -8804,7 +8768,7 @@
         <p:spPr>
           <a:xfrm rot="2332200">
             <a:off x="6009480" y="-319680"/>
-            <a:ext cx="4856040" cy="7727040"/>
+            <a:ext cx="4855680" cy="7726680"/>
           </a:xfrm>
           <a:prstGeom prst="roundRect">
             <a:avLst>
@@ -8842,9 +8806,9 @@
         <p:grpSpPr>
           <a:xfrm>
             <a:off x="4571640" y="828000"/>
-            <a:ext cx="4468680" cy="3564720"/>
+            <a:ext cx="4468320" cy="3564360"/>
             <a:chOff x="4571640" y="828000"/>
-            <a:chExt cx="4468680" cy="3564720"/>
+            <a:chExt cx="4468320" cy="3564360"/>
           </a:xfrm>
         </p:grpSpPr>
         <p:pic>
@@ -8860,7 +8824,7 @@
           <p:spPr>
             <a:xfrm>
               <a:off x="4571640" y="828000"/>
-              <a:ext cx="4468680" cy="3564720"/>
+              <a:ext cx="4468320" cy="3564360"/>
             </a:xfrm>
             <a:prstGeom prst="rect">
               <a:avLst/>
@@ -8878,8 +8842,8 @@
           </p:nvSpPr>
           <p:spPr>
             <a:xfrm rot="16200000">
-              <a:off x="5962680" y="1158480"/>
-              <a:ext cx="1737720" cy="2771640"/>
+              <a:off x="5962680" y="1158840"/>
+              <a:ext cx="1737360" cy="2771280"/>
             </a:xfrm>
             <a:prstGeom prst="roundRect">
               <a:avLst>
@@ -8946,7 +8910,7 @@
         <p:spPr>
           <a:xfrm>
             <a:off x="5446080" y="1672200"/>
-            <a:ext cx="2771280" cy="1737720"/>
+            <a:ext cx="2770920" cy="1737360"/>
           </a:xfrm>
           <a:prstGeom prst="rect">
             <a:avLst/>
@@ -8998,7 +8962,7 @@
         <p:spPr>
           <a:xfrm>
             <a:off x="586440" y="1246680"/>
-            <a:ext cx="4004640" cy="3600360"/>
+            <a:ext cx="4004280" cy="3600000"/>
           </a:xfrm>
           <a:prstGeom prst="rect">
             <a:avLst/>
@@ -9050,7 +9014,7 @@
         <p:spPr>
           <a:xfrm>
             <a:off x="586440" y="453960"/>
-            <a:ext cx="4764600" cy="855720"/>
+            <a:ext cx="4764240" cy="855360"/>
           </a:xfrm>
           <a:prstGeom prst="rect">
             <a:avLst/>
@@ -9139,7 +9103,7 @@
         <p:spPr>
           <a:xfrm rot="2745600">
             <a:off x="8349840" y="-668160"/>
-            <a:ext cx="1498680" cy="1498680"/>
+            <a:ext cx="1498320" cy="1498320"/>
           </a:xfrm>
           <a:prstGeom prst="roundRect">
             <a:avLst>
@@ -9176,8 +9140,8 @@
         </p:nvSpPr>
         <p:spPr>
           <a:xfrm rot="2745600">
-            <a:off x="7634160" y="-322560"/>
-            <a:ext cx="807480" cy="807840"/>
+            <a:off x="7634160" y="-322200"/>
+            <a:ext cx="807120" cy="807480"/>
           </a:xfrm>
           <a:prstGeom prst="roundRect">
             <a:avLst>
@@ -9216,7 +9180,7 @@
         <p:spPr>
           <a:xfrm>
             <a:off x="586440" y="899640"/>
-            <a:ext cx="7932240" cy="1537560"/>
+            <a:ext cx="7931880" cy="1537200"/>
           </a:xfrm>
           <a:prstGeom prst="rect">
             <a:avLst/>
@@ -9268,7 +9232,7 @@
         <p:spPr>
           <a:xfrm>
             <a:off x="608040" y="2545560"/>
-            <a:ext cx="3712680" cy="2256120"/>
+            <a:ext cx="3712320" cy="2255760"/>
           </a:xfrm>
           <a:prstGeom prst="rect">
             <a:avLst/>
@@ -9320,7 +9284,7 @@
         <p:spPr>
           <a:xfrm>
             <a:off x="4806360" y="2545560"/>
-            <a:ext cx="3712680" cy="2256120"/>
+            <a:ext cx="3712320" cy="2255760"/>
           </a:xfrm>
           <a:prstGeom prst="rect">
             <a:avLst/>
@@ -9372,7 +9336,7 @@
         <p:spPr>
           <a:xfrm>
             <a:off x="583200" y="450720"/>
-            <a:ext cx="7198560" cy="512640"/>
+            <a:ext cx="7198200" cy="512280"/>
           </a:xfrm>
           <a:prstGeom prst="rect">
             <a:avLst/>
@@ -9454,7 +9418,7 @@
         <p:spPr>
           <a:xfrm>
             <a:off x="586440" y="1246680"/>
-            <a:ext cx="4004640" cy="3600360"/>
+            <a:ext cx="4004280" cy="3600000"/>
           </a:xfrm>
           <a:prstGeom prst="rect">
             <a:avLst/>
@@ -9506,7 +9470,7 @@
         <p:spPr>
           <a:xfrm>
             <a:off x="559800" y="446040"/>
-            <a:ext cx="4284000" cy="684000"/>
+            <a:ext cx="4283640" cy="683640"/>
           </a:xfrm>
           <a:prstGeom prst="rect">
             <a:avLst/>
@@ -9558,7 +9522,7 @@
         <p:spPr>
           <a:xfrm>
             <a:off x="5097600" y="360"/>
-            <a:ext cx="4380120" cy="5144400"/>
+            <a:ext cx="4379760" cy="5144040"/>
           </a:xfrm>
           <a:prstGeom prst="roundRect">
             <a:avLst>
@@ -9623,8 +9587,8 @@
         </p:nvSpPr>
         <p:spPr>
           <a:xfrm rot="2744400">
-            <a:off x="-281520" y="-25920"/>
-            <a:ext cx="704880" cy="704520"/>
+            <a:off x="-281160" y="-25920"/>
+            <a:ext cx="704520" cy="704160"/>
           </a:xfrm>
           <a:prstGeom prst="roundRect">
             <a:avLst>
@@ -9662,7 +9626,7 @@
         <p:spPr>
           <a:xfrm rot="2625600">
             <a:off x="4861080" y="4146840"/>
-            <a:ext cx="468720" cy="468720"/>
+            <a:ext cx="468360" cy="468360"/>
           </a:xfrm>
           <a:prstGeom prst="roundRect">
             <a:avLst>
@@ -9736,8 +9700,8 @@
         </p:nvSpPr>
         <p:spPr>
           <a:xfrm rot="2744400">
-            <a:off x="-350640" y="4540320"/>
-            <a:ext cx="704880" cy="704520"/>
+            <a:off x="-350280" y="4539960"/>
+            <a:ext cx="704520" cy="704160"/>
           </a:xfrm>
           <a:prstGeom prst="roundRect">
             <a:avLst>
@@ -9774,8 +9738,8 @@
         </p:nvSpPr>
         <p:spPr>
           <a:xfrm rot="19228200">
-            <a:off x="5846760" y="-2266920"/>
-            <a:ext cx="4855680" cy="7726680"/>
+            <a:off x="5846400" y="-2266560"/>
+            <a:ext cx="4855320" cy="7726320"/>
           </a:xfrm>
           <a:prstGeom prst="roundRect">
             <a:avLst>
@@ -9813,9 +9777,9 @@
         <p:grpSpPr>
           <a:xfrm>
             <a:off x="4571640" y="828000"/>
-            <a:ext cx="4468680" cy="3564720"/>
+            <a:ext cx="4468320" cy="3564360"/>
             <a:chOff x="4571640" y="828000"/>
-            <a:chExt cx="4468680" cy="3564720"/>
+            <a:chExt cx="4468320" cy="3564360"/>
           </a:xfrm>
         </p:grpSpPr>
         <p:pic>
@@ -9831,7 +9795,7 @@
           <p:spPr>
             <a:xfrm>
               <a:off x="4571640" y="828000"/>
-              <a:ext cx="4468680" cy="3564720"/>
+              <a:ext cx="4468320" cy="3564360"/>
             </a:xfrm>
             <a:prstGeom prst="rect">
               <a:avLst/>
@@ -9849,8 +9813,8 @@
           </p:nvSpPr>
           <p:spPr>
             <a:xfrm rot="16200000">
-              <a:off x="5962680" y="1158480"/>
-              <a:ext cx="1737720" cy="2771640"/>
+              <a:off x="5962680" y="1158840"/>
+              <a:ext cx="1737360" cy="2771280"/>
             </a:xfrm>
             <a:prstGeom prst="roundRect">
               <a:avLst>
@@ -9917,7 +9881,7 @@
         <p:spPr>
           <a:xfrm>
             <a:off x="586440" y="1246680"/>
-            <a:ext cx="4004640" cy="3600360"/>
+            <a:ext cx="4004280" cy="3600000"/>
           </a:xfrm>
           <a:prstGeom prst="rect">
             <a:avLst/>
@@ -9969,7 +9933,7 @@
         <p:spPr>
           <a:xfrm>
             <a:off x="5446080" y="1672200"/>
-            <a:ext cx="2780640" cy="1737720"/>
+            <a:ext cx="2780280" cy="1737360"/>
           </a:xfrm>
           <a:prstGeom prst="rect">
             <a:avLst/>
@@ -10021,7 +9985,7 @@
         <p:spPr>
           <a:xfrm>
             <a:off x="586440" y="453960"/>
-            <a:ext cx="3697200" cy="855720"/>
+            <a:ext cx="3696840" cy="855360"/>
           </a:xfrm>
           <a:prstGeom prst="rect">
             <a:avLst/>
@@ -10110,7 +10074,7 @@
         <p:spPr>
           <a:xfrm>
             <a:off x="4222080" y="1246680"/>
-            <a:ext cx="4115520" cy="3600360"/>
+            <a:ext cx="4115160" cy="3600000"/>
           </a:xfrm>
           <a:prstGeom prst="rect">
             <a:avLst/>
@@ -10161,8 +10125,8 @@
         </p:nvSpPr>
         <p:spPr>
           <a:xfrm rot="16200000">
-            <a:off x="-2181600" y="1733040"/>
-            <a:ext cx="5144400" cy="1684440"/>
+            <a:off x="-2181600" y="1733400"/>
+            <a:ext cx="5144040" cy="1684080"/>
           </a:xfrm>
           <a:prstGeom prst="roundRect">
             <a:avLst>
@@ -10199,8 +10163,8 @@
         </p:nvSpPr>
         <p:spPr>
           <a:xfrm rot="2745000">
-            <a:off x="8575200" y="104040"/>
-            <a:ext cx="1132920" cy="1132560"/>
+            <a:off x="8575200" y="103680"/>
+            <a:ext cx="1132560" cy="1132200"/>
           </a:xfrm>
           <a:prstGeom prst="roundRect">
             <a:avLst>
@@ -10237,8 +10201,8 @@
         </p:nvSpPr>
         <p:spPr>
           <a:xfrm rot="16200000">
-            <a:off x="614880" y="918360"/>
-            <a:ext cx="3232440" cy="3314160"/>
+            <a:off x="614880" y="918720"/>
+            <a:ext cx="3232080" cy="3313800"/>
           </a:xfrm>
           <a:prstGeom prst="roundRect">
             <a:avLst>
@@ -10304,7 +10268,7 @@
         <p:spPr>
           <a:xfrm>
             <a:off x="4214160" y="456120"/>
-            <a:ext cx="4112280" cy="855720"/>
+            <a:ext cx="4111920" cy="855360"/>
           </a:xfrm>
           <a:prstGeom prst="rect">
             <a:avLst/>
@@ -10386,7 +10350,7 @@
         <p:spPr>
           <a:xfrm>
             <a:off x="586440" y="1246680"/>
-            <a:ext cx="4004640" cy="3600360"/>
+            <a:ext cx="4004280" cy="3600000"/>
           </a:xfrm>
           <a:prstGeom prst="rect">
             <a:avLst/>
@@ -10438,7 +10402,7 @@
         <p:spPr>
           <a:xfrm>
             <a:off x="559800" y="446040"/>
-            <a:ext cx="4284000" cy="684000"/>
+            <a:ext cx="4283640" cy="683640"/>
           </a:xfrm>
           <a:prstGeom prst="rect">
             <a:avLst/>
@@ -10490,7 +10454,7 @@
         <p:spPr>
           <a:xfrm>
             <a:off x="5097600" y="360"/>
-            <a:ext cx="4380120" cy="5144400"/>
+            <a:ext cx="4379760" cy="5144040"/>
           </a:xfrm>
           <a:prstGeom prst="roundRect">
             <a:avLst>
@@ -10555,8 +10519,8 @@
         </p:nvSpPr>
         <p:spPr>
           <a:xfrm rot="2744400">
-            <a:off x="-281520" y="-25920"/>
-            <a:ext cx="704880" cy="704520"/>
+            <a:off x="-281160" y="-25920"/>
+            <a:ext cx="704520" cy="704160"/>
           </a:xfrm>
           <a:prstGeom prst="roundRect">
             <a:avLst>
@@ -10594,7 +10558,7 @@
         <p:spPr>
           <a:xfrm rot="2625600">
             <a:off x="4861080" y="4146840"/>
-            <a:ext cx="468720" cy="468720"/>
+            <a:ext cx="468360" cy="468360"/>
           </a:xfrm>
           <a:prstGeom prst="roundRect">
             <a:avLst>
@@ -10668,8 +10632,8 @@
         </p:nvSpPr>
         <p:spPr>
           <a:xfrm rot="2744400">
-            <a:off x="-281520" y="-25920"/>
-            <a:ext cx="704880" cy="704520"/>
+            <a:off x="-281160" y="-25920"/>
+            <a:ext cx="704520" cy="704160"/>
           </a:xfrm>
           <a:prstGeom prst="roundRect">
             <a:avLst>
@@ -10707,7 +10671,7 @@
         <p:spPr>
           <a:xfrm rot="2332200">
             <a:off x="6009480" y="-319680"/>
-            <a:ext cx="4856040" cy="7727040"/>
+            <a:ext cx="4855680" cy="7726680"/>
           </a:xfrm>
           <a:prstGeom prst="roundRect">
             <a:avLst>
@@ -10745,9 +10709,9 @@
         <p:grpSpPr>
           <a:xfrm>
             <a:off x="4571640" y="828000"/>
-            <a:ext cx="4468680" cy="3564720"/>
+            <a:ext cx="4468320" cy="3564360"/>
             <a:chOff x="4571640" y="828000"/>
-            <a:chExt cx="4468680" cy="3564720"/>
+            <a:chExt cx="4468320" cy="3564360"/>
           </a:xfrm>
         </p:grpSpPr>
         <p:pic>
@@ -10763,7 +10727,7 @@
           <p:spPr>
             <a:xfrm>
               <a:off x="4571640" y="828000"/>
-              <a:ext cx="4468680" cy="3564720"/>
+              <a:ext cx="4468320" cy="3564360"/>
             </a:xfrm>
             <a:prstGeom prst="rect">
               <a:avLst/>
@@ -10781,8 +10745,8 @@
           </p:nvSpPr>
           <p:spPr>
             <a:xfrm rot="16200000">
-              <a:off x="5962680" y="1158480"/>
-              <a:ext cx="1737720" cy="2771640"/>
+              <a:off x="5962680" y="1158840"/>
+              <a:ext cx="1737360" cy="2771280"/>
             </a:xfrm>
             <a:prstGeom prst="roundRect">
               <a:avLst>
@@ -10849,7 +10813,7 @@
         <p:spPr>
           <a:xfrm>
             <a:off x="5446080" y="1672200"/>
-            <a:ext cx="2771280" cy="1737720"/>
+            <a:ext cx="2770920" cy="1737360"/>
           </a:xfrm>
           <a:prstGeom prst="rect">
             <a:avLst/>
@@ -10901,7 +10865,7 @@
         <p:spPr>
           <a:xfrm>
             <a:off x="586440" y="1246680"/>
-            <a:ext cx="4004640" cy="3600360"/>
+            <a:ext cx="4004280" cy="3600000"/>
           </a:xfrm>
           <a:prstGeom prst="rect">
             <a:avLst/>
@@ -10953,7 +10917,7 @@
         <p:spPr>
           <a:xfrm>
             <a:off x="586440" y="453960"/>
-            <a:ext cx="4764600" cy="855720"/>
+            <a:ext cx="4764240" cy="855360"/>
           </a:xfrm>
           <a:prstGeom prst="rect">
             <a:avLst/>
@@ -11042,7 +11006,7 @@
         <p:spPr>
           <a:xfrm rot="2745600">
             <a:off x="8349840" y="-668160"/>
-            <a:ext cx="1498680" cy="1498680"/>
+            <a:ext cx="1498320" cy="1498320"/>
           </a:xfrm>
           <a:prstGeom prst="roundRect">
             <a:avLst>
@@ -11079,8 +11043,8 @@
         </p:nvSpPr>
         <p:spPr>
           <a:xfrm rot="2745600">
-            <a:off x="7634160" y="-322560"/>
-            <a:ext cx="807480" cy="807840"/>
+            <a:off x="7634160" y="-322200"/>
+            <a:ext cx="807120" cy="807480"/>
           </a:xfrm>
           <a:prstGeom prst="roundRect">
             <a:avLst>
@@ -11119,7 +11083,7 @@
         <p:spPr>
           <a:xfrm>
             <a:off x="586440" y="899640"/>
-            <a:ext cx="7932240" cy="1537560"/>
+            <a:ext cx="7931880" cy="1537200"/>
           </a:xfrm>
           <a:prstGeom prst="rect">
             <a:avLst/>
@@ -11171,7 +11135,7 @@
         <p:spPr>
           <a:xfrm>
             <a:off x="608040" y="2545560"/>
-            <a:ext cx="3712680" cy="2256120"/>
+            <a:ext cx="3712320" cy="2255760"/>
           </a:xfrm>
           <a:prstGeom prst="rect">
             <a:avLst/>
@@ -11223,7 +11187,7 @@
         <p:spPr>
           <a:xfrm>
             <a:off x="4806360" y="2545560"/>
-            <a:ext cx="3712680" cy="2256120"/>
+            <a:ext cx="3712320" cy="2255760"/>
           </a:xfrm>
           <a:prstGeom prst="rect">
             <a:avLst/>
@@ -11275,7 +11239,7 @@
         <p:spPr>
           <a:xfrm>
             <a:off x="583200" y="450720"/>
-            <a:ext cx="7198560" cy="512640"/>
+            <a:ext cx="7198200" cy="512280"/>
           </a:xfrm>
           <a:prstGeom prst="rect">
             <a:avLst/>
@@ -11357,7 +11321,7 @@
         <p:spPr>
           <a:xfrm>
             <a:off x="586440" y="1246680"/>
-            <a:ext cx="4004640" cy="3600360"/>
+            <a:ext cx="4004280" cy="3600000"/>
           </a:xfrm>
           <a:prstGeom prst="rect">
             <a:avLst/>
@@ -11409,7 +11373,7 @@
         <p:spPr>
           <a:xfrm>
             <a:off x="559800" y="446040"/>
-            <a:ext cx="4284000" cy="684000"/>
+            <a:ext cx="4283640" cy="683640"/>
           </a:xfrm>
           <a:prstGeom prst="rect">
             <a:avLst/>
@@ -11461,7 +11425,7 @@
         <p:spPr>
           <a:xfrm>
             <a:off x="5097600" y="360"/>
-            <a:ext cx="4380120" cy="5144400"/>
+            <a:ext cx="4379760" cy="5144040"/>
           </a:xfrm>
           <a:prstGeom prst="roundRect">
             <a:avLst>
@@ -11526,8 +11490,8 @@
         </p:nvSpPr>
         <p:spPr>
           <a:xfrm rot="2744400">
-            <a:off x="-281520" y="-25920"/>
-            <a:ext cx="704880" cy="704520"/>
+            <a:off x="-281160" y="-25920"/>
+            <a:ext cx="704520" cy="704160"/>
           </a:xfrm>
           <a:prstGeom prst="roundRect">
             <a:avLst>
@@ -11565,7 +11529,7 @@
         <p:spPr>
           <a:xfrm rot="2625600">
             <a:off x="4861080" y="4146840"/>
-            <a:ext cx="468720" cy="468720"/>
+            <a:ext cx="468360" cy="468360"/>
           </a:xfrm>
           <a:prstGeom prst="roundRect">
             <a:avLst>
@@ -11639,8 +11603,8 @@
         </p:nvSpPr>
         <p:spPr>
           <a:xfrm rot="2744400">
-            <a:off x="-350640" y="4540320"/>
-            <a:ext cx="704880" cy="704520"/>
+            <a:off x="-350280" y="4539960"/>
+            <a:ext cx="704520" cy="704160"/>
           </a:xfrm>
           <a:prstGeom prst="roundRect">
             <a:avLst>
@@ -11677,8 +11641,8 @@
         </p:nvSpPr>
         <p:spPr>
           <a:xfrm rot="19228200">
-            <a:off x="5846760" y="-2266920"/>
-            <a:ext cx="4855680" cy="7726680"/>
+            <a:off x="5846400" y="-2266560"/>
+            <a:ext cx="4855320" cy="7726320"/>
           </a:xfrm>
           <a:prstGeom prst="roundRect">
             <a:avLst>
@@ -11716,9 +11680,9 @@
         <p:grpSpPr>
           <a:xfrm>
             <a:off x="4571640" y="828000"/>
-            <a:ext cx="4468680" cy="3564720"/>
+            <a:ext cx="4468320" cy="3564360"/>
             <a:chOff x="4571640" y="828000"/>
-            <a:chExt cx="4468680" cy="3564720"/>
+            <a:chExt cx="4468320" cy="3564360"/>
           </a:xfrm>
         </p:grpSpPr>
         <p:pic>
@@ -11734,7 +11698,7 @@
           <p:spPr>
             <a:xfrm>
               <a:off x="4571640" y="828000"/>
-              <a:ext cx="4468680" cy="3564720"/>
+              <a:ext cx="4468320" cy="3564360"/>
             </a:xfrm>
             <a:prstGeom prst="rect">
               <a:avLst/>
@@ -11752,8 +11716,8 @@
           </p:nvSpPr>
           <p:spPr>
             <a:xfrm rot="16200000">
-              <a:off x="5962680" y="1158480"/>
-              <a:ext cx="1737720" cy="2771640"/>
+              <a:off x="5962680" y="1158840"/>
+              <a:ext cx="1737360" cy="2771280"/>
             </a:xfrm>
             <a:prstGeom prst="roundRect">
               <a:avLst>
@@ -11820,7 +11784,7 @@
         <p:spPr>
           <a:xfrm>
             <a:off x="586440" y="1246680"/>
-            <a:ext cx="4004640" cy="3600360"/>
+            <a:ext cx="4004280" cy="3600000"/>
           </a:xfrm>
           <a:prstGeom prst="rect">
             <a:avLst/>
@@ -11872,7 +11836,7 @@
         <p:spPr>
           <a:xfrm>
             <a:off x="5446080" y="1672200"/>
-            <a:ext cx="2780640" cy="1737720"/>
+            <a:ext cx="2780280" cy="1737360"/>
           </a:xfrm>
           <a:prstGeom prst="rect">
             <a:avLst/>
@@ -11924,7 +11888,7 @@
         <p:spPr>
           <a:xfrm>
             <a:off x="586440" y="453960"/>
-            <a:ext cx="3697200" cy="855720"/>
+            <a:ext cx="3696840" cy="855360"/>
           </a:xfrm>
           <a:prstGeom prst="rect">
             <a:avLst/>
@@ -12013,7 +11977,7 @@
         <p:spPr>
           <a:xfrm>
             <a:off x="4222080" y="1246680"/>
-            <a:ext cx="4115520" cy="3600360"/>
+            <a:ext cx="4115160" cy="3600000"/>
           </a:xfrm>
           <a:prstGeom prst="rect">
             <a:avLst/>
@@ -12064,8 +12028,8 @@
         </p:nvSpPr>
         <p:spPr>
           <a:xfrm rot="16200000">
-            <a:off x="-2181600" y="1733040"/>
-            <a:ext cx="5144400" cy="1684440"/>
+            <a:off x="-2181600" y="1733400"/>
+            <a:ext cx="5144040" cy="1684080"/>
           </a:xfrm>
           <a:prstGeom prst="roundRect">
             <a:avLst>
@@ -12102,8 +12066,8 @@
         </p:nvSpPr>
         <p:spPr>
           <a:xfrm rot="2745000">
-            <a:off x="8575200" y="104040"/>
-            <a:ext cx="1132920" cy="1132560"/>
+            <a:off x="8575200" y="103680"/>
+            <a:ext cx="1132560" cy="1132200"/>
           </a:xfrm>
           <a:prstGeom prst="roundRect">
             <a:avLst>
@@ -12140,8 +12104,8 @@
         </p:nvSpPr>
         <p:spPr>
           <a:xfrm rot="16200000">
-            <a:off x="614880" y="918360"/>
-            <a:ext cx="3232440" cy="3314160"/>
+            <a:off x="614880" y="918720"/>
+            <a:ext cx="3232080" cy="3313800"/>
           </a:xfrm>
           <a:prstGeom prst="roundRect">
             <a:avLst>
@@ -12207,7 +12171,7 @@
         <p:spPr>
           <a:xfrm>
             <a:off x="4214160" y="456120"/>
-            <a:ext cx="4112280" cy="855720"/>
+            <a:ext cx="4111920" cy="855360"/>
           </a:xfrm>
           <a:prstGeom prst="rect">
             <a:avLst/>
@@ -12295,8 +12259,8 @@
         </p:nvSpPr>
         <p:spPr>
           <a:xfrm rot="2744400">
-            <a:off x="-281520" y="-25920"/>
-            <a:ext cx="704880" cy="704520"/>
+            <a:off x="-281160" y="-25920"/>
+            <a:ext cx="704520" cy="704160"/>
           </a:xfrm>
           <a:prstGeom prst="roundRect">
             <a:avLst>
@@ -12334,7 +12298,7 @@
         <p:spPr>
           <a:xfrm rot="2332200">
             <a:off x="6009480" y="-319680"/>
-            <a:ext cx="4856040" cy="7727040"/>
+            <a:ext cx="4855680" cy="7726680"/>
           </a:xfrm>
           <a:prstGeom prst="roundRect">
             <a:avLst>
@@ -12372,9 +12336,9 @@
         <p:grpSpPr>
           <a:xfrm>
             <a:off x="4571640" y="828000"/>
-            <a:ext cx="4468680" cy="3564720"/>
+            <a:ext cx="4468320" cy="3564360"/>
             <a:chOff x="4571640" y="828000"/>
-            <a:chExt cx="4468680" cy="3564720"/>
+            <a:chExt cx="4468320" cy="3564360"/>
           </a:xfrm>
         </p:grpSpPr>
         <p:pic>
@@ -12390,7 +12354,7 @@
           <p:spPr>
             <a:xfrm>
               <a:off x="4571640" y="828000"/>
-              <a:ext cx="4468680" cy="3564720"/>
+              <a:ext cx="4468320" cy="3564360"/>
             </a:xfrm>
             <a:prstGeom prst="rect">
               <a:avLst/>
@@ -12408,8 +12372,8 @@
           </p:nvSpPr>
           <p:spPr>
             <a:xfrm rot="16200000">
-              <a:off x="5962680" y="1158480"/>
-              <a:ext cx="1737720" cy="2771640"/>
+              <a:off x="5962680" y="1158840"/>
+              <a:ext cx="1737360" cy="2771280"/>
             </a:xfrm>
             <a:prstGeom prst="roundRect">
               <a:avLst>
@@ -12476,7 +12440,7 @@
         <p:spPr>
           <a:xfrm>
             <a:off x="5446080" y="1672200"/>
-            <a:ext cx="2771280" cy="1737720"/>
+            <a:ext cx="2770920" cy="1737360"/>
           </a:xfrm>
           <a:prstGeom prst="rect">
             <a:avLst/>
@@ -12528,7 +12492,7 @@
         <p:spPr>
           <a:xfrm>
             <a:off x="586440" y="1246680"/>
-            <a:ext cx="4004640" cy="3600360"/>
+            <a:ext cx="4004280" cy="3600000"/>
           </a:xfrm>
           <a:prstGeom prst="rect">
             <a:avLst/>
@@ -12580,7 +12544,7 @@
         <p:spPr>
           <a:xfrm>
             <a:off x="586440" y="453960"/>
-            <a:ext cx="4764600" cy="855720"/>
+            <a:ext cx="4764240" cy="855360"/>
           </a:xfrm>
           <a:prstGeom prst="rect">
             <a:avLst/>
@@ -12668,8 +12632,8 @@
         </p:nvSpPr>
         <p:spPr>
           <a:xfrm rot="2744400">
-            <a:off x="-281520" y="-25920"/>
-            <a:ext cx="704880" cy="704520"/>
+            <a:off x="-281160" y="-25920"/>
+            <a:ext cx="704520" cy="704160"/>
           </a:xfrm>
           <a:prstGeom prst="roundRect">
             <a:avLst>
@@ -12707,7 +12671,7 @@
         <p:spPr>
           <a:xfrm>
             <a:off x="569160" y="1888920"/>
-            <a:ext cx="4821480" cy="820800"/>
+            <a:ext cx="4821120" cy="820800"/>
           </a:xfrm>
           <a:prstGeom prst="rect">
             <a:avLst/>
@@ -12758,8 +12722,8 @@
         </p:nvSpPr>
         <p:spPr>
           <a:xfrm rot="18679800">
-            <a:off x="6782400" y="457560"/>
-            <a:ext cx="6251040" cy="4666680"/>
+            <a:off x="6782040" y="457560"/>
+            <a:ext cx="6250680" cy="4666320"/>
           </a:xfrm>
           <a:prstGeom prst="roundRect">
             <a:avLst>
@@ -12797,7 +12761,7 @@
         <p:spPr>
           <a:xfrm rot="2625600">
             <a:off x="6024960" y="4332960"/>
-            <a:ext cx="468720" cy="468720"/>
+            <a:ext cx="468360" cy="468360"/>
           </a:xfrm>
           <a:prstGeom prst="roundRect">
             <a:avLst>
@@ -12835,7 +12799,7 @@
         <p:spPr>
           <a:xfrm>
             <a:off x="1640880" y="4592880"/>
-            <a:ext cx="2995920" cy="266760"/>
+            <a:ext cx="2995560" cy="266400"/>
           </a:xfrm>
           <a:prstGeom prst="rect">
             <a:avLst/>
@@ -12897,7 +12861,7 @@
         <p:spPr>
           <a:xfrm>
             <a:off x="867240" y="3590280"/>
-            <a:ext cx="253800" cy="254160"/>
+            <a:ext cx="253440" cy="253800"/>
           </a:xfrm>
           <a:prstGeom prst="ellipse">
             <a:avLst/>
@@ -12932,7 +12896,7 @@
         <p:spPr>
           <a:xfrm>
             <a:off x="351000" y="3793320"/>
-            <a:ext cx="1286280" cy="1131840"/>
+            <a:ext cx="1285920" cy="1131480"/>
           </a:xfrm>
           <a:prstGeom prst="rect">
             <a:avLst/>
@@ -12987,8 +12951,8 @@
         </p:nvSpPr>
         <p:spPr>
           <a:xfrm rot="2744400">
-            <a:off x="-350640" y="4540320"/>
-            <a:ext cx="704880" cy="704520"/>
+            <a:off x="-350280" y="4539960"/>
+            <a:ext cx="704520" cy="704160"/>
           </a:xfrm>
           <a:prstGeom prst="roundRect">
             <a:avLst>
@@ -13025,8 +12989,8 @@
         </p:nvSpPr>
         <p:spPr>
           <a:xfrm rot="19228200">
-            <a:off x="5846760" y="-2266920"/>
-            <a:ext cx="4855680" cy="7726680"/>
+            <a:off x="5846400" y="-2266560"/>
+            <a:ext cx="4855320" cy="7726320"/>
           </a:xfrm>
           <a:prstGeom prst="roundRect">
             <a:avLst>
@@ -13064,9 +13028,9 @@
         <p:grpSpPr>
           <a:xfrm>
             <a:off x="4571640" y="828000"/>
-            <a:ext cx="4468680" cy="3564720"/>
+            <a:ext cx="4468320" cy="3564360"/>
             <a:chOff x="4571640" y="828000"/>
-            <a:chExt cx="4468680" cy="3564720"/>
+            <a:chExt cx="4468320" cy="3564360"/>
           </a:xfrm>
         </p:grpSpPr>
         <p:pic>
@@ -13082,7 +13046,7 @@
           <p:spPr>
             <a:xfrm>
               <a:off x="4571640" y="828000"/>
-              <a:ext cx="4468680" cy="3564720"/>
+              <a:ext cx="4468320" cy="3564360"/>
             </a:xfrm>
             <a:prstGeom prst="rect">
               <a:avLst/>
@@ -13100,8 +13064,8 @@
           </p:nvSpPr>
           <p:spPr>
             <a:xfrm rot="16200000">
-              <a:off x="5962680" y="1158480"/>
-              <a:ext cx="1737720" cy="2771640"/>
+              <a:off x="5962680" y="1158840"/>
+              <a:ext cx="1737360" cy="2771280"/>
             </a:xfrm>
             <a:prstGeom prst="roundRect">
               <a:avLst>
@@ -13168,7 +13132,7 @@
         <p:spPr>
           <a:xfrm>
             <a:off x="586440" y="1246680"/>
-            <a:ext cx="4004640" cy="3600360"/>
+            <a:ext cx="4004280" cy="3600000"/>
           </a:xfrm>
           <a:prstGeom prst="rect">
             <a:avLst/>
@@ -13220,7 +13184,7 @@
         <p:spPr>
           <a:xfrm>
             <a:off x="5446080" y="1672200"/>
-            <a:ext cx="2780640" cy="1737720"/>
+            <a:ext cx="2780280" cy="1737360"/>
           </a:xfrm>
           <a:prstGeom prst="rect">
             <a:avLst/>
@@ -13272,7 +13236,7 @@
         <p:spPr>
           <a:xfrm>
             <a:off x="586440" y="453960"/>
-            <a:ext cx="3697200" cy="855720"/>
+            <a:ext cx="3696840" cy="855360"/>
           </a:xfrm>
           <a:prstGeom prst="rect">
             <a:avLst/>
@@ -13361,7 +13325,7 @@
         <p:spPr>
           <a:xfrm>
             <a:off x="4222080" y="1246680"/>
-            <a:ext cx="4115520" cy="3600360"/>
+            <a:ext cx="4115160" cy="3600000"/>
           </a:xfrm>
           <a:prstGeom prst="rect">
             <a:avLst/>
@@ -13412,8 +13376,8 @@
         </p:nvSpPr>
         <p:spPr>
           <a:xfrm rot="16200000">
-            <a:off x="-2181600" y="1733040"/>
-            <a:ext cx="5144400" cy="1684440"/>
+            <a:off x="-2181600" y="1733400"/>
+            <a:ext cx="5144040" cy="1684080"/>
           </a:xfrm>
           <a:prstGeom prst="roundRect">
             <a:avLst>
@@ -13450,8 +13414,8 @@
         </p:nvSpPr>
         <p:spPr>
           <a:xfrm rot="2745000">
-            <a:off x="8575200" y="104040"/>
-            <a:ext cx="1132920" cy="1132560"/>
+            <a:off x="8575200" y="103680"/>
+            <a:ext cx="1132560" cy="1132200"/>
           </a:xfrm>
           <a:prstGeom prst="roundRect">
             <a:avLst>
@@ -13488,8 +13452,8 @@
         </p:nvSpPr>
         <p:spPr>
           <a:xfrm rot="16200000">
-            <a:off x="614880" y="918360"/>
-            <a:ext cx="3232440" cy="3314160"/>
+            <a:off x="614880" y="918720"/>
+            <a:ext cx="3232080" cy="3313800"/>
           </a:xfrm>
           <a:prstGeom prst="roundRect">
             <a:avLst>
@@ -13555,7 +13519,7 @@
         <p:spPr>
           <a:xfrm>
             <a:off x="4214160" y="456120"/>
-            <a:ext cx="4112280" cy="855720"/>
+            <a:ext cx="4111920" cy="855360"/>
           </a:xfrm>
           <a:prstGeom prst="rect">
             <a:avLst/>
@@ -13643,8 +13607,8 @@
         </p:nvSpPr>
         <p:spPr>
           <a:xfrm rot="2744400">
-            <a:off x="-281520" y="-25920"/>
-            <a:ext cx="704880" cy="704520"/>
+            <a:off x="-281160" y="-25920"/>
+            <a:ext cx="704520" cy="704160"/>
           </a:xfrm>
           <a:prstGeom prst="roundRect">
             <a:avLst>
@@ -13682,7 +13646,7 @@
         <p:spPr>
           <a:xfrm rot="2332200">
             <a:off x="6009480" y="-319680"/>
-            <a:ext cx="4856040" cy="7727040"/>
+            <a:ext cx="4855680" cy="7726680"/>
           </a:xfrm>
           <a:prstGeom prst="roundRect">
             <a:avLst>
@@ -13720,9 +13684,9 @@
         <p:grpSpPr>
           <a:xfrm>
             <a:off x="4571640" y="828000"/>
-            <a:ext cx="4468680" cy="3564720"/>
+            <a:ext cx="4468320" cy="3564360"/>
             <a:chOff x="4571640" y="828000"/>
-            <a:chExt cx="4468680" cy="3564720"/>
+            <a:chExt cx="4468320" cy="3564360"/>
           </a:xfrm>
         </p:grpSpPr>
         <p:pic>
@@ -13738,7 +13702,7 @@
           <p:spPr>
             <a:xfrm>
               <a:off x="4571640" y="828000"/>
-              <a:ext cx="4468680" cy="3564720"/>
+              <a:ext cx="4468320" cy="3564360"/>
             </a:xfrm>
             <a:prstGeom prst="rect">
               <a:avLst/>
@@ -13756,8 +13720,8 @@
           </p:nvSpPr>
           <p:spPr>
             <a:xfrm rot="16200000">
-              <a:off x="5962680" y="1158480"/>
-              <a:ext cx="1737720" cy="2771640"/>
+              <a:off x="5962680" y="1158840"/>
+              <a:ext cx="1737360" cy="2771280"/>
             </a:xfrm>
             <a:prstGeom prst="roundRect">
               <a:avLst>
@@ -13824,7 +13788,7 @@
         <p:spPr>
           <a:xfrm>
             <a:off x="5446080" y="1672200"/>
-            <a:ext cx="2771280" cy="1737720"/>
+            <a:ext cx="2770920" cy="1737360"/>
           </a:xfrm>
           <a:prstGeom prst="rect">
             <a:avLst/>
@@ -13876,7 +13840,7 @@
         <p:spPr>
           <a:xfrm>
             <a:off x="586440" y="1246680"/>
-            <a:ext cx="4004640" cy="3600360"/>
+            <a:ext cx="4004280" cy="3600000"/>
           </a:xfrm>
           <a:prstGeom prst="rect">
             <a:avLst/>
@@ -13928,7 +13892,7 @@
         <p:spPr>
           <a:xfrm>
             <a:off x="586440" y="453960"/>
-            <a:ext cx="4764600" cy="855720"/>
+            <a:ext cx="4764240" cy="855360"/>
           </a:xfrm>
           <a:prstGeom prst="rect">
             <a:avLst/>
@@ -14017,7 +13981,7 @@
         <p:spPr>
           <a:xfrm rot="2745600">
             <a:off x="8349840" y="-668160"/>
-            <a:ext cx="1498680" cy="1498680"/>
+            <a:ext cx="1498320" cy="1498320"/>
           </a:xfrm>
           <a:prstGeom prst="roundRect">
             <a:avLst>
@@ -14054,8 +14018,8 @@
         </p:nvSpPr>
         <p:spPr>
           <a:xfrm rot="2745600">
-            <a:off x="7634160" y="-322560"/>
-            <a:ext cx="807480" cy="807840"/>
+            <a:off x="7634160" y="-322200"/>
+            <a:ext cx="807120" cy="807480"/>
           </a:xfrm>
           <a:prstGeom prst="roundRect">
             <a:avLst>
@@ -14094,7 +14058,7 @@
         <p:spPr>
           <a:xfrm>
             <a:off x="586440" y="899640"/>
-            <a:ext cx="7932240" cy="1537560"/>
+            <a:ext cx="7931880" cy="1537200"/>
           </a:xfrm>
           <a:prstGeom prst="rect">
             <a:avLst/>
@@ -14146,7 +14110,7 @@
         <p:spPr>
           <a:xfrm>
             <a:off x="608040" y="2545560"/>
-            <a:ext cx="3712680" cy="2256120"/>
+            <a:ext cx="3712320" cy="2255760"/>
           </a:xfrm>
           <a:prstGeom prst="rect">
             <a:avLst/>
@@ -14198,7 +14162,7 @@
         <p:spPr>
           <a:xfrm>
             <a:off x="4806360" y="2545560"/>
-            <a:ext cx="3712680" cy="2256120"/>
+            <a:ext cx="3712320" cy="2255760"/>
           </a:xfrm>
           <a:prstGeom prst="rect">
             <a:avLst/>
@@ -14250,7 +14214,7 @@
         <p:spPr>
           <a:xfrm>
             <a:off x="583200" y="450720"/>
-            <a:ext cx="7198560" cy="512640"/>
+            <a:ext cx="7198200" cy="512280"/>
           </a:xfrm>
           <a:prstGeom prst="rect">
             <a:avLst/>
@@ -14332,7 +14296,7 @@
         <p:spPr>
           <a:xfrm>
             <a:off x="586440" y="1246680"/>
-            <a:ext cx="4004640" cy="3600360"/>
+            <a:ext cx="4004280" cy="3600000"/>
           </a:xfrm>
           <a:prstGeom prst="rect">
             <a:avLst/>
@@ -14384,7 +14348,7 @@
         <p:spPr>
           <a:xfrm>
             <a:off x="559800" y="446040"/>
-            <a:ext cx="4284000" cy="684000"/>
+            <a:ext cx="4283640" cy="683640"/>
           </a:xfrm>
           <a:prstGeom prst="rect">
             <a:avLst/>
@@ -14436,7 +14400,7 @@
         <p:spPr>
           <a:xfrm>
             <a:off x="5097600" y="360"/>
-            <a:ext cx="4380120" cy="5144400"/>
+            <a:ext cx="4379760" cy="5144040"/>
           </a:xfrm>
           <a:prstGeom prst="roundRect">
             <a:avLst>
@@ -14501,8 +14465,8 @@
         </p:nvSpPr>
         <p:spPr>
           <a:xfrm rot="2744400">
-            <a:off x="-281520" y="-25920"/>
-            <a:ext cx="704880" cy="704520"/>
+            <a:off x="-281160" y="-25920"/>
+            <a:ext cx="704520" cy="704160"/>
           </a:xfrm>
           <a:prstGeom prst="roundRect">
             <a:avLst>
@@ -14540,7 +14504,7 @@
         <p:spPr>
           <a:xfrm rot="2625600">
             <a:off x="4861080" y="4146840"/>
-            <a:ext cx="468720" cy="468720"/>
+            <a:ext cx="468360" cy="468360"/>
           </a:xfrm>
           <a:prstGeom prst="roundRect">
             <a:avLst>
@@ -14614,8 +14578,8 @@
         </p:nvSpPr>
         <p:spPr>
           <a:xfrm rot="2744400">
-            <a:off x="-350640" y="4540320"/>
-            <a:ext cx="704880" cy="704520"/>
+            <a:off x="-350280" y="4539960"/>
+            <a:ext cx="704520" cy="704160"/>
           </a:xfrm>
           <a:prstGeom prst="roundRect">
             <a:avLst>
@@ -14652,8 +14616,8 @@
         </p:nvSpPr>
         <p:spPr>
           <a:xfrm rot="19228200">
-            <a:off x="5846760" y="-2266920"/>
-            <a:ext cx="4855680" cy="7726680"/>
+            <a:off x="5846400" y="-2266560"/>
+            <a:ext cx="4855320" cy="7726320"/>
           </a:xfrm>
           <a:prstGeom prst="roundRect">
             <a:avLst>
@@ -14691,9 +14655,9 @@
         <p:grpSpPr>
           <a:xfrm>
             <a:off x="4571640" y="828000"/>
-            <a:ext cx="4468680" cy="3564720"/>
+            <a:ext cx="4468320" cy="3564360"/>
             <a:chOff x="4571640" y="828000"/>
-            <a:chExt cx="4468680" cy="3564720"/>
+            <a:chExt cx="4468320" cy="3564360"/>
           </a:xfrm>
         </p:grpSpPr>
         <p:pic>
@@ -14709,7 +14673,7 @@
           <p:spPr>
             <a:xfrm>
               <a:off x="4571640" y="828000"/>
-              <a:ext cx="4468680" cy="3564720"/>
+              <a:ext cx="4468320" cy="3564360"/>
             </a:xfrm>
             <a:prstGeom prst="rect">
               <a:avLst/>
@@ -14727,8 +14691,8 @@
           </p:nvSpPr>
           <p:spPr>
             <a:xfrm rot="16200000">
-              <a:off x="5962680" y="1158480"/>
-              <a:ext cx="1737720" cy="2771640"/>
+              <a:off x="5962680" y="1158840"/>
+              <a:ext cx="1737360" cy="2771280"/>
             </a:xfrm>
             <a:prstGeom prst="roundRect">
               <a:avLst>
@@ -14795,7 +14759,7 @@
         <p:spPr>
           <a:xfrm>
             <a:off x="586440" y="1246680"/>
-            <a:ext cx="4004640" cy="3600360"/>
+            <a:ext cx="4004280" cy="3600000"/>
           </a:xfrm>
           <a:prstGeom prst="rect">
             <a:avLst/>
@@ -14847,7 +14811,7 @@
         <p:spPr>
           <a:xfrm>
             <a:off x="5446080" y="1672200"/>
-            <a:ext cx="2780640" cy="1737720"/>
+            <a:ext cx="2780280" cy="1737360"/>
           </a:xfrm>
           <a:prstGeom prst="rect">
             <a:avLst/>
@@ -14899,7 +14863,7 @@
         <p:spPr>
           <a:xfrm>
             <a:off x="586440" y="453960"/>
-            <a:ext cx="3697200" cy="855720"/>
+            <a:ext cx="3696840" cy="855360"/>
           </a:xfrm>
           <a:prstGeom prst="rect">
             <a:avLst/>
@@ -14988,7 +14952,7 @@
         <p:spPr>
           <a:xfrm>
             <a:off x="4222080" y="1246680"/>
-            <a:ext cx="4115520" cy="3600360"/>
+            <a:ext cx="4115160" cy="3600000"/>
           </a:xfrm>
           <a:prstGeom prst="rect">
             <a:avLst/>
@@ -15039,8 +15003,8 @@
         </p:nvSpPr>
         <p:spPr>
           <a:xfrm rot="16200000">
-            <a:off x="-2181600" y="1733040"/>
-            <a:ext cx="5144400" cy="1684440"/>
+            <a:off x="-2181600" y="1733400"/>
+            <a:ext cx="5144040" cy="1684080"/>
           </a:xfrm>
           <a:prstGeom prst="roundRect">
             <a:avLst>
@@ -15077,8 +15041,8 @@
         </p:nvSpPr>
         <p:spPr>
           <a:xfrm rot="2745000">
-            <a:off x="8575200" y="104040"/>
-            <a:ext cx="1132920" cy="1132560"/>
+            <a:off x="8575200" y="103680"/>
+            <a:ext cx="1132560" cy="1132200"/>
           </a:xfrm>
           <a:prstGeom prst="roundRect">
             <a:avLst>
@@ -15115,8 +15079,8 @@
         </p:nvSpPr>
         <p:spPr>
           <a:xfrm rot="16200000">
-            <a:off x="614880" y="918360"/>
-            <a:ext cx="3232440" cy="3314160"/>
+            <a:off x="614880" y="918720"/>
+            <a:ext cx="3232080" cy="3313800"/>
           </a:xfrm>
           <a:prstGeom prst="roundRect">
             <a:avLst>
@@ -15182,7 +15146,7 @@
         <p:spPr>
           <a:xfrm>
             <a:off x="4214160" y="456120"/>
-            <a:ext cx="4112280" cy="855720"/>
+            <a:ext cx="4111920" cy="855360"/>
           </a:xfrm>
           <a:prstGeom prst="rect">
             <a:avLst/>
